--- a/01 Classes/Aula 01 Teoria de Compiladores.pptx
+++ b/01 Classes/Aula 01 Teoria de Compiladores.pptx
@@ -5,7 +5,7 @@
     <p:sldMasterId id="2147483648" r:id="rId1"/>
   </p:sldMasterIdLst>
   <p:notesMasterIdLst>
-    <p:notesMasterId r:id="rId25"/>
+    <p:notesMasterId r:id="rId30"/>
   </p:notesMasterIdLst>
   <p:sldIdLst>
     <p:sldId id="256" r:id="rId2"/>
@@ -25,12 +25,17 @@
     <p:sldId id="341" r:id="rId16"/>
     <p:sldId id="332" r:id="rId17"/>
     <p:sldId id="344" r:id="rId18"/>
-    <p:sldId id="340" r:id="rId19"/>
-    <p:sldId id="333" r:id="rId20"/>
-    <p:sldId id="323" r:id="rId21"/>
-    <p:sldId id="334" r:id="rId22"/>
-    <p:sldId id="337" r:id="rId23"/>
-    <p:sldId id="309" r:id="rId24"/>
+    <p:sldId id="358" r:id="rId19"/>
+    <p:sldId id="356" r:id="rId20"/>
+    <p:sldId id="357" r:id="rId21"/>
+    <p:sldId id="354" r:id="rId22"/>
+    <p:sldId id="355" r:id="rId23"/>
+    <p:sldId id="340" r:id="rId24"/>
+    <p:sldId id="333" r:id="rId25"/>
+    <p:sldId id="323" r:id="rId26"/>
+    <p:sldId id="334" r:id="rId27"/>
+    <p:sldId id="337" r:id="rId28"/>
+    <p:sldId id="309" r:id="rId29"/>
   </p:sldIdLst>
   <p:sldSz cx="9144000" cy="5143500" type="screen16x9"/>
   <p:notesSz cx="6858000" cy="9144000"/>
@@ -1095,7 +1100,7 @@
     </p:spTree>
     <p:extLst>
       <p:ext uri="{BB962C8B-B14F-4D97-AF65-F5344CB8AC3E}">
-        <p14:creationId xmlns:p14="http://schemas.microsoft.com/office/powerpoint/2010/main" val="2025650078"/>
+        <p14:creationId xmlns:p14="http://schemas.microsoft.com/office/powerpoint/2010/main" val="867223027"/>
       </p:ext>
     </p:extLst>
   </p:cSld>
@@ -1161,7 +1166,7 @@
     </p:spTree>
     <p:extLst>
       <p:ext uri="{BB962C8B-B14F-4D97-AF65-F5344CB8AC3E}">
-        <p14:creationId xmlns:p14="http://schemas.microsoft.com/office/powerpoint/2010/main" val="585304384"/>
+        <p14:creationId xmlns:p14="http://schemas.microsoft.com/office/powerpoint/2010/main" val="3928858630"/>
       </p:ext>
     </p:extLst>
   </p:cSld>
@@ -1227,7 +1232,7 @@
     </p:spTree>
     <p:extLst>
       <p:ext uri="{BB962C8B-B14F-4D97-AF65-F5344CB8AC3E}">
-        <p14:creationId xmlns:p14="http://schemas.microsoft.com/office/powerpoint/2010/main" val="2709569597"/>
+        <p14:creationId xmlns:p14="http://schemas.microsoft.com/office/powerpoint/2010/main" val="2845378610"/>
       </p:ext>
     </p:extLst>
   </p:cSld>
@@ -1359,6 +1364,336 @@
     </p:spTree>
     <p:extLst>
       <p:ext uri="{BB962C8B-B14F-4D97-AF65-F5344CB8AC3E}">
+        <p14:creationId xmlns:p14="http://schemas.microsoft.com/office/powerpoint/2010/main" val="2186228372"/>
+      </p:ext>
+    </p:extLst>
+  </p:cSld>
+  <p:clrMapOvr>
+    <a:masterClrMapping/>
+  </p:clrMapOvr>
+</p:notes>
+</file>
+
+<file path=ppt/notesSlides/notesSlide21.xml><?xml version="1.0" encoding="utf-8"?>
+<p:notes xmlns:a="http://schemas.openxmlformats.org/drawingml/2006/main" xmlns:r="http://schemas.openxmlformats.org/officeDocument/2006/relationships" xmlns:p="http://schemas.openxmlformats.org/presentationml/2006/main">
+  <p:cSld>
+    <p:spTree>
+      <p:nvGrpSpPr>
+        <p:cNvPr id="1" name=""/>
+        <p:cNvGrpSpPr/>
+        <p:nvPr/>
+      </p:nvGrpSpPr>
+      <p:grpSpPr>
+        <a:xfrm>
+          <a:off x="0" y="0"/>
+          <a:ext cx="0" cy="0"/>
+          <a:chOff x="0" y="0"/>
+          <a:chExt cx="0" cy="0"/>
+        </a:xfrm>
+      </p:grpSpPr>
+      <p:sp>
+        <p:nvSpPr>
+          <p:cNvPr id="2" name="Espaço Reservado para Imagem de Slide 1"/>
+          <p:cNvSpPr>
+            <a:spLocks noGrp="1" noRot="1" noChangeAspect="1"/>
+          </p:cNvSpPr>
+          <p:nvPr>
+            <p:ph type="sldImg"/>
+          </p:nvPr>
+        </p:nvSpPr>
+        <p:spPr>
+          <a:xfrm>
+            <a:off x="381000" y="685800"/>
+            <a:ext cx="6096000" cy="3429000"/>
+          </a:xfrm>
+        </p:spPr>
+      </p:sp>
+      <p:sp>
+        <p:nvSpPr>
+          <p:cNvPr id="3" name="Espaço Reservado para Anotações 2"/>
+          <p:cNvSpPr>
+            <a:spLocks noGrp="1"/>
+          </p:cNvSpPr>
+          <p:nvPr>
+            <p:ph type="body" idx="1"/>
+          </p:nvPr>
+        </p:nvSpPr>
+        <p:spPr/>
+        <p:txBody>
+          <a:bodyPr/>
+          <a:lstStyle/>
+          <a:p>
+            <a:endParaRPr lang="pt-BR" dirty="0"/>
+          </a:p>
+        </p:txBody>
+      </p:sp>
+    </p:spTree>
+    <p:extLst>
+      <p:ext uri="{BB962C8B-B14F-4D97-AF65-F5344CB8AC3E}">
+        <p14:creationId xmlns:p14="http://schemas.microsoft.com/office/powerpoint/2010/main" val="1855011125"/>
+      </p:ext>
+    </p:extLst>
+  </p:cSld>
+  <p:clrMapOvr>
+    <a:masterClrMapping/>
+  </p:clrMapOvr>
+</p:notes>
+</file>
+
+<file path=ppt/notesSlides/notesSlide22.xml><?xml version="1.0" encoding="utf-8"?>
+<p:notes xmlns:a="http://schemas.openxmlformats.org/drawingml/2006/main" xmlns:r="http://schemas.openxmlformats.org/officeDocument/2006/relationships" xmlns:p="http://schemas.openxmlformats.org/presentationml/2006/main">
+  <p:cSld>
+    <p:spTree>
+      <p:nvGrpSpPr>
+        <p:cNvPr id="1" name=""/>
+        <p:cNvGrpSpPr/>
+        <p:nvPr/>
+      </p:nvGrpSpPr>
+      <p:grpSpPr>
+        <a:xfrm>
+          <a:off x="0" y="0"/>
+          <a:ext cx="0" cy="0"/>
+          <a:chOff x="0" y="0"/>
+          <a:chExt cx="0" cy="0"/>
+        </a:xfrm>
+      </p:grpSpPr>
+      <p:sp>
+        <p:nvSpPr>
+          <p:cNvPr id="2" name="Espaço Reservado para Imagem de Slide 1"/>
+          <p:cNvSpPr>
+            <a:spLocks noGrp="1" noRot="1" noChangeAspect="1"/>
+          </p:cNvSpPr>
+          <p:nvPr>
+            <p:ph type="sldImg"/>
+          </p:nvPr>
+        </p:nvSpPr>
+        <p:spPr>
+          <a:xfrm>
+            <a:off x="381000" y="685800"/>
+            <a:ext cx="6096000" cy="3429000"/>
+          </a:xfrm>
+        </p:spPr>
+      </p:sp>
+      <p:sp>
+        <p:nvSpPr>
+          <p:cNvPr id="3" name="Espaço Reservado para Anotações 2"/>
+          <p:cNvSpPr>
+            <a:spLocks noGrp="1"/>
+          </p:cNvSpPr>
+          <p:nvPr>
+            <p:ph type="body" idx="1"/>
+          </p:nvPr>
+        </p:nvSpPr>
+        <p:spPr/>
+        <p:txBody>
+          <a:bodyPr/>
+          <a:lstStyle/>
+          <a:p>
+            <a:endParaRPr lang="pt-BR" dirty="0"/>
+          </a:p>
+        </p:txBody>
+      </p:sp>
+    </p:spTree>
+    <p:extLst>
+      <p:ext uri="{BB962C8B-B14F-4D97-AF65-F5344CB8AC3E}">
+        <p14:creationId xmlns:p14="http://schemas.microsoft.com/office/powerpoint/2010/main" val="2025650078"/>
+      </p:ext>
+    </p:extLst>
+  </p:cSld>
+  <p:clrMapOvr>
+    <a:masterClrMapping/>
+  </p:clrMapOvr>
+</p:notes>
+</file>
+
+<file path=ppt/notesSlides/notesSlide23.xml><?xml version="1.0" encoding="utf-8"?>
+<p:notes xmlns:a="http://schemas.openxmlformats.org/drawingml/2006/main" xmlns:r="http://schemas.openxmlformats.org/officeDocument/2006/relationships" xmlns:p="http://schemas.openxmlformats.org/presentationml/2006/main">
+  <p:cSld>
+    <p:spTree>
+      <p:nvGrpSpPr>
+        <p:cNvPr id="1" name=""/>
+        <p:cNvGrpSpPr/>
+        <p:nvPr/>
+      </p:nvGrpSpPr>
+      <p:grpSpPr>
+        <a:xfrm>
+          <a:off x="0" y="0"/>
+          <a:ext cx="0" cy="0"/>
+          <a:chOff x="0" y="0"/>
+          <a:chExt cx="0" cy="0"/>
+        </a:xfrm>
+      </p:grpSpPr>
+      <p:sp>
+        <p:nvSpPr>
+          <p:cNvPr id="2" name="Espaço Reservado para Imagem de Slide 1"/>
+          <p:cNvSpPr>
+            <a:spLocks noGrp="1" noRot="1" noChangeAspect="1"/>
+          </p:cNvSpPr>
+          <p:nvPr>
+            <p:ph type="sldImg"/>
+          </p:nvPr>
+        </p:nvSpPr>
+        <p:spPr>
+          <a:xfrm>
+            <a:off x="381000" y="685800"/>
+            <a:ext cx="6096000" cy="3429000"/>
+          </a:xfrm>
+        </p:spPr>
+      </p:sp>
+      <p:sp>
+        <p:nvSpPr>
+          <p:cNvPr id="3" name="Espaço Reservado para Anotações 2"/>
+          <p:cNvSpPr>
+            <a:spLocks noGrp="1"/>
+          </p:cNvSpPr>
+          <p:nvPr>
+            <p:ph type="body" idx="1"/>
+          </p:nvPr>
+        </p:nvSpPr>
+        <p:spPr/>
+        <p:txBody>
+          <a:bodyPr/>
+          <a:lstStyle/>
+          <a:p>
+            <a:endParaRPr lang="pt-BR" dirty="0"/>
+          </a:p>
+        </p:txBody>
+      </p:sp>
+    </p:spTree>
+    <p:extLst>
+      <p:ext uri="{BB962C8B-B14F-4D97-AF65-F5344CB8AC3E}">
+        <p14:creationId xmlns:p14="http://schemas.microsoft.com/office/powerpoint/2010/main" val="585304384"/>
+      </p:ext>
+    </p:extLst>
+  </p:cSld>
+  <p:clrMapOvr>
+    <a:masterClrMapping/>
+  </p:clrMapOvr>
+</p:notes>
+</file>
+
+<file path=ppt/notesSlides/notesSlide24.xml><?xml version="1.0" encoding="utf-8"?>
+<p:notes xmlns:a="http://schemas.openxmlformats.org/drawingml/2006/main" xmlns:r="http://schemas.openxmlformats.org/officeDocument/2006/relationships" xmlns:p="http://schemas.openxmlformats.org/presentationml/2006/main">
+  <p:cSld>
+    <p:spTree>
+      <p:nvGrpSpPr>
+        <p:cNvPr id="1" name=""/>
+        <p:cNvGrpSpPr/>
+        <p:nvPr/>
+      </p:nvGrpSpPr>
+      <p:grpSpPr>
+        <a:xfrm>
+          <a:off x="0" y="0"/>
+          <a:ext cx="0" cy="0"/>
+          <a:chOff x="0" y="0"/>
+          <a:chExt cx="0" cy="0"/>
+        </a:xfrm>
+      </p:grpSpPr>
+      <p:sp>
+        <p:nvSpPr>
+          <p:cNvPr id="2" name="Espaço Reservado para Imagem de Slide 1"/>
+          <p:cNvSpPr>
+            <a:spLocks noGrp="1" noRot="1" noChangeAspect="1"/>
+          </p:cNvSpPr>
+          <p:nvPr>
+            <p:ph type="sldImg"/>
+          </p:nvPr>
+        </p:nvSpPr>
+        <p:spPr>
+          <a:xfrm>
+            <a:off x="381000" y="685800"/>
+            <a:ext cx="6096000" cy="3429000"/>
+          </a:xfrm>
+        </p:spPr>
+      </p:sp>
+      <p:sp>
+        <p:nvSpPr>
+          <p:cNvPr id="3" name="Espaço Reservado para Anotações 2"/>
+          <p:cNvSpPr>
+            <a:spLocks noGrp="1"/>
+          </p:cNvSpPr>
+          <p:nvPr>
+            <p:ph type="body" idx="1"/>
+          </p:nvPr>
+        </p:nvSpPr>
+        <p:spPr/>
+        <p:txBody>
+          <a:bodyPr/>
+          <a:lstStyle/>
+          <a:p>
+            <a:endParaRPr lang="pt-BR" dirty="0"/>
+          </a:p>
+        </p:txBody>
+      </p:sp>
+    </p:spTree>
+    <p:extLst>
+      <p:ext uri="{BB962C8B-B14F-4D97-AF65-F5344CB8AC3E}">
+        <p14:creationId xmlns:p14="http://schemas.microsoft.com/office/powerpoint/2010/main" val="2709569597"/>
+      </p:ext>
+    </p:extLst>
+  </p:cSld>
+  <p:clrMapOvr>
+    <a:masterClrMapping/>
+  </p:clrMapOvr>
+</p:notes>
+</file>
+
+<file path=ppt/notesSlides/notesSlide25.xml><?xml version="1.0" encoding="utf-8"?>
+<p:notes xmlns:a="http://schemas.openxmlformats.org/drawingml/2006/main" xmlns:r="http://schemas.openxmlformats.org/officeDocument/2006/relationships" xmlns:p="http://schemas.openxmlformats.org/presentationml/2006/main">
+  <p:cSld>
+    <p:spTree>
+      <p:nvGrpSpPr>
+        <p:cNvPr id="1" name=""/>
+        <p:cNvGrpSpPr/>
+        <p:nvPr/>
+      </p:nvGrpSpPr>
+      <p:grpSpPr>
+        <a:xfrm>
+          <a:off x="0" y="0"/>
+          <a:ext cx="0" cy="0"/>
+          <a:chOff x="0" y="0"/>
+          <a:chExt cx="0" cy="0"/>
+        </a:xfrm>
+      </p:grpSpPr>
+      <p:sp>
+        <p:nvSpPr>
+          <p:cNvPr id="2" name="Espaço Reservado para Imagem de Slide 1"/>
+          <p:cNvSpPr>
+            <a:spLocks noGrp="1" noRot="1" noChangeAspect="1"/>
+          </p:cNvSpPr>
+          <p:nvPr>
+            <p:ph type="sldImg"/>
+          </p:nvPr>
+        </p:nvSpPr>
+        <p:spPr>
+          <a:xfrm>
+            <a:off x="381000" y="685800"/>
+            <a:ext cx="6096000" cy="3429000"/>
+          </a:xfrm>
+        </p:spPr>
+      </p:sp>
+      <p:sp>
+        <p:nvSpPr>
+          <p:cNvPr id="3" name="Espaço Reservado para Anotações 2"/>
+          <p:cNvSpPr>
+            <a:spLocks noGrp="1"/>
+          </p:cNvSpPr>
+          <p:nvPr>
+            <p:ph type="body" idx="1"/>
+          </p:nvPr>
+        </p:nvSpPr>
+        <p:spPr/>
+        <p:txBody>
+          <a:bodyPr/>
+          <a:lstStyle/>
+          <a:p>
+            <a:endParaRPr lang="pt-BR" dirty="0"/>
+          </a:p>
+        </p:txBody>
+      </p:sp>
+    </p:spTree>
+    <p:extLst>
+      <p:ext uri="{BB962C8B-B14F-4D97-AF65-F5344CB8AC3E}">
         <p14:creationId xmlns:p14="http://schemas.microsoft.com/office/powerpoint/2010/main" val="2296249050"/>
       </p:ext>
     </p:extLst>
@@ -1369,7 +1704,7 @@
 </p:notes>
 </file>
 
-<file path=ppt/notesSlides/notesSlide21.xml><?xml version="1.0" encoding="utf-8"?>
+<file path=ppt/notesSlides/notesSlide26.xml><?xml version="1.0" encoding="utf-8"?>
 <p:notes xmlns:a="http://schemas.openxmlformats.org/drawingml/2006/main" xmlns:r="http://schemas.openxmlformats.org/officeDocument/2006/relationships" xmlns:p="http://schemas.openxmlformats.org/presentationml/2006/main">
   <p:cSld>
     <p:spTree>
@@ -6753,7 +7088,7 @@
             <a:pPr marL="0" indent="0" algn="just">
               <a:buNone/>
             </a:pPr>
-            <a:endParaRPr lang="pt-BR" dirty="0">
+            <a:endParaRPr lang="pt-BR" sz="2400" dirty="0">
               <a:solidFill>
                 <a:schemeClr val="tx1"/>
               </a:solidFill>
@@ -6762,20 +7097,113 @@
             </a:endParaRPr>
           </a:p>
           <a:p>
-            <a:pPr marL="0" indent="0" algn="just">
-              <a:buNone/>
-            </a:pPr>
-            <a:r>
-              <a:rPr lang="pt-BR" sz="2800" b="1" dirty="0">
-                <a:solidFill>
-                  <a:srgbClr val="0070C0"/>
-                </a:solidFill>
-                <a:latin typeface="Times New Roman" panose="02020603050405020304" pitchFamily="18" charset="0"/>
-                <a:cs typeface="Times New Roman" panose="02020603050405020304" pitchFamily="18" charset="0"/>
-              </a:rPr>
-              <a:t>	Como definir e analisar linguagens de programação, aplicando os conceitos da teoria de linguagens formais?</a:t>
-            </a:r>
-            <a:endParaRPr lang="pt-BR" b="1" dirty="0">
+            <a:pPr algn="just">
+              <a:buFont typeface="Wingdings" panose="05000000000000000000" pitchFamily="2" charset="2"/>
+              <a:buChar char="§"/>
+            </a:pPr>
+            <a:r>
+              <a:rPr lang="pt-BR" sz="2400" dirty="0">
+                <a:solidFill>
+                  <a:schemeClr val="tx1"/>
+                </a:solidFill>
+                <a:latin typeface="Times New Roman" panose="02020603050405020304" pitchFamily="18" charset="0"/>
+                <a:cs typeface="Times New Roman" panose="02020603050405020304" pitchFamily="18" charset="0"/>
+              </a:rPr>
+              <a:t>Como expressar formalmente uma linguagem computacional? </a:t>
+            </a:r>
+          </a:p>
+          <a:p>
+            <a:pPr algn="just">
+              <a:buFont typeface="Wingdings" panose="05000000000000000000" pitchFamily="2" charset="2"/>
+              <a:buChar char="§"/>
+            </a:pPr>
+            <a:r>
+              <a:rPr lang="pt-BR" sz="2400" dirty="0">
+                <a:solidFill>
+                  <a:schemeClr val="tx1"/>
+                </a:solidFill>
+                <a:latin typeface="Times New Roman" panose="02020603050405020304" pitchFamily="18" charset="0"/>
+                <a:cs typeface="Times New Roman" panose="02020603050405020304" pitchFamily="18" charset="0"/>
+              </a:rPr>
+              <a:t>Enfoque teórico no problema da </a:t>
+            </a:r>
+            <a:r>
+              <a:rPr lang="pt-BR" sz="2400" b="1" dirty="0">
+                <a:solidFill>
+                  <a:schemeClr val="tx1"/>
+                </a:solidFill>
+                <a:latin typeface="Times New Roman" panose="02020603050405020304" pitchFamily="18" charset="0"/>
+                <a:cs typeface="Times New Roman" panose="02020603050405020304" pitchFamily="18" charset="0"/>
+              </a:rPr>
+              <a:t>sintaxe </a:t>
+            </a:r>
+            <a:r>
+              <a:rPr lang="pt-BR" sz="2400" b="1" dirty="0" err="1">
+                <a:solidFill>
+                  <a:schemeClr val="tx1"/>
+                </a:solidFill>
+                <a:latin typeface="Times New Roman" panose="02020603050405020304" pitchFamily="18" charset="0"/>
+                <a:cs typeface="Times New Roman" panose="02020603050405020304" pitchFamily="18" charset="0"/>
+              </a:rPr>
+              <a:t>vs</a:t>
+            </a:r>
+            <a:r>
+              <a:rPr lang="pt-BR" sz="2400" b="1" dirty="0">
+                <a:solidFill>
+                  <a:schemeClr val="tx1"/>
+                </a:solidFill>
+                <a:latin typeface="Times New Roman" panose="02020603050405020304" pitchFamily="18" charset="0"/>
+                <a:cs typeface="Times New Roman" panose="02020603050405020304" pitchFamily="18" charset="0"/>
+              </a:rPr>
+              <a:t> semântica </a:t>
+            </a:r>
+            <a:r>
+              <a:rPr lang="pt-BR" sz="2400" dirty="0">
+                <a:solidFill>
+                  <a:schemeClr val="tx1"/>
+                </a:solidFill>
+                <a:latin typeface="Times New Roman" panose="02020603050405020304" pitchFamily="18" charset="0"/>
+                <a:cs typeface="Times New Roman" panose="02020603050405020304" pitchFamily="18" charset="0"/>
+              </a:rPr>
+              <a:t>(</a:t>
+            </a:r>
+            <a:r>
+              <a:rPr lang="pt-BR" sz="2400" b="1" dirty="0">
+                <a:solidFill>
+                  <a:srgbClr val="FF0000"/>
+                </a:solidFill>
+                <a:latin typeface="Times New Roman" panose="02020603050405020304" pitchFamily="18" charset="0"/>
+                <a:cs typeface="Times New Roman" panose="02020603050405020304" pitchFamily="18" charset="0"/>
+              </a:rPr>
+              <a:t>erro lógico</a:t>
+            </a:r>
+            <a:r>
+              <a:rPr lang="pt-BR" sz="2400" dirty="0">
+                <a:solidFill>
+                  <a:schemeClr val="tx1"/>
+                </a:solidFill>
+                <a:latin typeface="Times New Roman" panose="02020603050405020304" pitchFamily="18" charset="0"/>
+                <a:cs typeface="Times New Roman" panose="02020603050405020304" pitchFamily="18" charset="0"/>
+              </a:rPr>
+              <a:t>)</a:t>
+            </a:r>
+          </a:p>
+          <a:p>
+            <a:pPr algn="just">
+              <a:buFont typeface="Wingdings" panose="05000000000000000000" pitchFamily="2" charset="2"/>
+              <a:buChar char="§"/>
+            </a:pPr>
+            <a:r>
+              <a:rPr lang="pt-BR" sz="2400" dirty="0">
+                <a:solidFill>
+                  <a:schemeClr val="tx1"/>
+                </a:solidFill>
+                <a:latin typeface="Times New Roman" panose="02020603050405020304" pitchFamily="18" charset="0"/>
+                <a:cs typeface="Times New Roman" panose="02020603050405020304" pitchFamily="18" charset="0"/>
+              </a:rPr>
+              <a:t>Auxílio na evolução dos algoritmos de compilação</a:t>
+            </a:r>
+            <a:endParaRPr lang="pt-BR" sz="2400" dirty="0">
               <a:solidFill>
                 <a:srgbClr val="0070C0"/>
               </a:solidFill>
@@ -6903,7 +7331,42 @@
             <a:pPr marL="0" indent="0" algn="just">
               <a:buNone/>
             </a:pPr>
-            <a:endParaRPr lang="pt-BR" dirty="0">
+            <a:r>
+              <a:rPr lang="pt-BR" sz="2000" dirty="0">
+                <a:solidFill>
+                  <a:schemeClr val="tx1"/>
+                </a:solidFill>
+                <a:latin typeface="Times New Roman" panose="02020603050405020304" pitchFamily="18" charset="0"/>
+                <a:cs typeface="Times New Roman" panose="02020603050405020304" pitchFamily="18" charset="0"/>
+              </a:rPr>
+              <a:t>As seguintes regras descrevem uma linguagem L formal sobre o </a:t>
+            </a:r>
+            <a:r>
+              <a:rPr lang="pt-BR" sz="2000" b="1" dirty="0">
+                <a:solidFill>
+                  <a:schemeClr val="tx1"/>
+                </a:solidFill>
+                <a:latin typeface="Times New Roman" panose="02020603050405020304" pitchFamily="18" charset="0"/>
+                <a:cs typeface="Times New Roman" panose="02020603050405020304" pitchFamily="18" charset="0"/>
+              </a:rPr>
+              <a:t>alfabeto</a:t>
+            </a:r>
+            <a:r>
+              <a:rPr lang="pt-BR" sz="2000" dirty="0">
+                <a:solidFill>
+                  <a:schemeClr val="tx1"/>
+                </a:solidFill>
+                <a:latin typeface="Times New Roman" panose="02020603050405020304" pitchFamily="18" charset="0"/>
+                <a:cs typeface="Times New Roman" panose="02020603050405020304" pitchFamily="18" charset="0"/>
+              </a:rPr>
+              <a:t> Σ = {0, 1, 2, 3, 4, 5, 6, 7, 8, 9, +, =}:</a:t>
+            </a:r>
+          </a:p>
+          <a:p>
+            <a:pPr marL="0" indent="0" algn="just">
+              <a:buNone/>
+            </a:pPr>
+            <a:endParaRPr lang="pt-BR" sz="2000" dirty="0">
               <a:solidFill>
                 <a:schemeClr val="tx1"/>
               </a:solidFill>
@@ -6912,50 +7375,83 @@
             </a:endParaRPr>
           </a:p>
           <a:p>
+            <a:pPr algn="just">
+              <a:buFont typeface="Wingdings" panose="05000000000000000000" pitchFamily="2" charset="2"/>
+              <a:buChar char="§"/>
+            </a:pPr>
+            <a:r>
+              <a:rPr lang="pt-BR" sz="2000" dirty="0">
+                <a:solidFill>
+                  <a:schemeClr val="tx1"/>
+                </a:solidFill>
+                <a:latin typeface="Times New Roman" panose="02020603050405020304" pitchFamily="18" charset="0"/>
+                <a:cs typeface="Times New Roman" panose="02020603050405020304" pitchFamily="18" charset="0"/>
+              </a:rPr>
+              <a:t>Cada cadeia não vazia que não contém "+" ou "=" e não começa com "0" está em L.</a:t>
+            </a:r>
+          </a:p>
+          <a:p>
+            <a:pPr algn="just">
+              <a:buFont typeface="Wingdings" panose="05000000000000000000" pitchFamily="2" charset="2"/>
+              <a:buChar char="§"/>
+            </a:pPr>
+            <a:r>
+              <a:rPr lang="pt-BR" sz="2000" dirty="0">
+                <a:solidFill>
+                  <a:schemeClr val="tx1"/>
+                </a:solidFill>
+                <a:latin typeface="Times New Roman" panose="02020603050405020304" pitchFamily="18" charset="0"/>
+                <a:cs typeface="Times New Roman" panose="02020603050405020304" pitchFamily="18" charset="0"/>
+              </a:rPr>
+              <a:t>Uma sequência contendo "=" está em L se e somente se há exatamente um "=", e ela separa duas cadeias válidas de L.</a:t>
+            </a:r>
+          </a:p>
+          <a:p>
+            <a:pPr algn="just">
+              <a:buFont typeface="Wingdings" panose="05000000000000000000" pitchFamily="2" charset="2"/>
+              <a:buChar char="§"/>
+            </a:pPr>
+            <a:r>
+              <a:rPr lang="pt-BR" sz="2000" dirty="0">
+                <a:solidFill>
+                  <a:schemeClr val="tx1"/>
+                </a:solidFill>
+                <a:latin typeface="Times New Roman" panose="02020603050405020304" pitchFamily="18" charset="0"/>
+                <a:cs typeface="Times New Roman" panose="02020603050405020304" pitchFamily="18" charset="0"/>
+              </a:rPr>
+              <a:t>Uma sequência contendo "+", mas não "=" está em L se e somente se todos os "+" na cadeia  separam duas cadeias válidas de L.</a:t>
+            </a:r>
+          </a:p>
+          <a:p>
+            <a:pPr algn="just">
+              <a:buFont typeface="Wingdings" panose="05000000000000000000" pitchFamily="2" charset="2"/>
+              <a:buChar char="§"/>
+            </a:pPr>
+            <a:r>
+              <a:rPr lang="pt-BR" sz="2000" dirty="0">
+                <a:solidFill>
+                  <a:schemeClr val="tx1"/>
+                </a:solidFill>
+                <a:latin typeface="Times New Roman" panose="02020603050405020304" pitchFamily="18" charset="0"/>
+                <a:cs typeface="Times New Roman" panose="02020603050405020304" pitchFamily="18" charset="0"/>
+              </a:rPr>
+              <a:t>Nenhuma cadeia está em L que não as sugeridas pelas regras anteriores.</a:t>
+            </a:r>
+          </a:p>
+          <a:p>
             <a:pPr marL="0" indent="0" algn="just">
               <a:buNone/>
             </a:pPr>
-            <a:endParaRPr lang="pt-BR" dirty="0">
-              <a:solidFill>
-                <a:schemeClr val="tx1"/>
-              </a:solidFill>
-              <a:latin typeface="Times New Roman" panose="02020603050405020304" pitchFamily="18" charset="0"/>
-              <a:cs typeface="Times New Roman" panose="02020603050405020304" pitchFamily="18" charset="0"/>
-            </a:endParaRPr>
-          </a:p>
-          <a:p>
-            <a:pPr marL="0" indent="0" algn="just">
-              <a:buNone/>
-            </a:pPr>
-            <a:endParaRPr lang="pt-BR" dirty="0">
-              <a:solidFill>
-                <a:schemeClr val="tx1"/>
-              </a:solidFill>
-              <a:latin typeface="Times New Roman" panose="02020603050405020304" pitchFamily="18" charset="0"/>
-              <a:cs typeface="Times New Roman" panose="02020603050405020304" pitchFamily="18" charset="0"/>
-            </a:endParaRPr>
-          </a:p>
-          <a:p>
-            <a:pPr marL="0" indent="0" algn="just">
-              <a:buNone/>
-            </a:pPr>
-            <a:r>
-              <a:rPr lang="pt-BR" sz="2800" b="1" dirty="0">
+            <a:r>
+              <a:rPr lang="pt-BR" sz="2000" b="1" dirty="0">
                 <a:solidFill>
                   <a:srgbClr val="0070C0"/>
                 </a:solidFill>
                 <a:latin typeface="Times New Roman" panose="02020603050405020304" pitchFamily="18" charset="0"/>
                 <a:cs typeface="Times New Roman" panose="02020603050405020304" pitchFamily="18" charset="0"/>
               </a:rPr>
-              <a:t>	Como definir e analisar linguagens de programação, aplicando os conceitos da teoria de linguagens formais?</a:t>
-            </a:r>
-            <a:endParaRPr lang="pt-BR" b="1" dirty="0">
-              <a:solidFill>
-                <a:srgbClr val="0070C0"/>
-              </a:solidFill>
-              <a:latin typeface="Times New Roman" panose="02020603050405020304" pitchFamily="18" charset="0"/>
-              <a:cs typeface="Times New Roman" panose="02020603050405020304" pitchFamily="18" charset="0"/>
-            </a:endParaRPr>
+              <a:t>	</a:t>
+            </a:r>
           </a:p>
         </p:txBody>
       </p:sp>
@@ -7007,7 +7503,9 @@
           </a:xfrm>
         </p:spPr>
         <p:txBody>
-          <a:bodyPr/>
+          <a:bodyPr>
+            <a:normAutofit fontScale="90000"/>
+          </a:bodyPr>
           <a:lstStyle/>
           <a:p>
             <a:r>
@@ -7016,7 +7514,7 @@
                   <a:srgbClr val="0070C0"/>
                 </a:solidFill>
               </a:rPr>
-              <a:t>Teoria da </a:t>
+              <a:t>Analise de LP – </a:t>
             </a:r>
             <a:r>
               <a:rPr lang="en-US" b="1" dirty="0" err="1">
@@ -7024,7 +7522,23 @@
                   <a:srgbClr val="0070C0"/>
                 </a:solidFill>
               </a:rPr>
-              <a:t>Computação</a:t>
+              <a:t>Linguagens</a:t>
+            </a:r>
+            <a:r>
+              <a:rPr lang="en-US" b="1" dirty="0">
+                <a:solidFill>
+                  <a:srgbClr val="0070C0"/>
+                </a:solidFill>
+              </a:rPr>
+              <a:t> </a:t>
+            </a:r>
+            <a:r>
+              <a:rPr lang="en-US" b="1" dirty="0" err="1">
+                <a:solidFill>
+                  <a:srgbClr val="0070C0"/>
+                </a:solidFill>
+              </a:rPr>
+              <a:t>Formais</a:t>
             </a:r>
             <a:endParaRPr lang="en-US" b="1" dirty="0">
               <a:solidFill>
@@ -7046,8 +7560,8 @@
         </p:nvSpPr>
         <p:spPr>
           <a:xfrm>
-            <a:off x="130339" y="1200150"/>
-            <a:ext cx="8865056" cy="3737370"/>
+            <a:off x="142865" y="1200151"/>
+            <a:ext cx="8865056" cy="3872890"/>
           </a:xfrm>
         </p:spPr>
         <p:txBody>
@@ -7060,46 +7574,21 @@
               <a:buNone/>
             </a:pPr>
             <a:r>
-              <a:rPr lang="pt-BR" dirty="0">
-                <a:solidFill>
-                  <a:schemeClr val="tx1"/>
-                </a:solidFill>
-                <a:latin typeface="Times New Roman" panose="02020603050405020304" pitchFamily="18" charset="0"/>
-                <a:cs typeface="Times New Roman" panose="02020603050405020304" pitchFamily="18" charset="0"/>
-              </a:rPr>
-              <a:t> </a:t>
+              <a:rPr lang="pt-BR" sz="2000" dirty="0">
+                <a:solidFill>
+                  <a:schemeClr val="tx1"/>
+                </a:solidFill>
+                <a:latin typeface="Times New Roman" panose="02020603050405020304" pitchFamily="18" charset="0"/>
+                <a:cs typeface="Times New Roman" panose="02020603050405020304" pitchFamily="18" charset="0"/>
+              </a:rPr>
+              <a:t>Sob essas regras, a cadeia "23 +4 = 555" está em L, mas a cadeia "= 234 = +" não está. </a:t>
             </a:r>
           </a:p>
           <a:p>
             <a:pPr marL="0" indent="0" algn="just">
               <a:buNone/>
             </a:pPr>
-            <a:r>
-              <a:rPr lang="pt-BR" dirty="0">
-                <a:solidFill>
-                  <a:schemeClr val="tx1"/>
-                </a:solidFill>
-                <a:latin typeface="Times New Roman" panose="02020603050405020304" pitchFamily="18" charset="0"/>
-                <a:cs typeface="Times New Roman" panose="02020603050405020304" pitchFamily="18" charset="0"/>
-              </a:rPr>
-              <a:t>- </a:t>
-            </a:r>
-            <a:r>
-              <a:rPr lang="pt-BR" b="1" dirty="0">
-                <a:solidFill>
-                  <a:schemeClr val="tx1"/>
-                </a:solidFill>
-                <a:latin typeface="Times New Roman" panose="02020603050405020304" pitchFamily="18" charset="0"/>
-                <a:cs typeface="Times New Roman" panose="02020603050405020304" pitchFamily="18" charset="0"/>
-              </a:rPr>
-              <a:t>Vídeo</a:t>
-            </a:r>
-          </a:p>
-          <a:p>
-            <a:pPr marL="0" indent="0" algn="just">
-              <a:buNone/>
-            </a:pPr>
-            <a:endParaRPr lang="pt-BR" dirty="0">
+            <a:endParaRPr lang="pt-BR" sz="2000" dirty="0">
               <a:solidFill>
                 <a:schemeClr val="tx1"/>
               </a:solidFill>
@@ -7112,27 +7601,21 @@
               <a:buNone/>
             </a:pPr>
             <a:r>
-              <a:rPr lang="pt-BR" dirty="0">
-                <a:solidFill>
-                  <a:schemeClr val="tx1"/>
-                </a:solidFill>
-                <a:latin typeface="Times New Roman" panose="02020603050405020304" pitchFamily="18" charset="0"/>
-                <a:cs typeface="Times New Roman" panose="02020603050405020304" pitchFamily="18" charset="0"/>
-              </a:rPr>
-              <a:t>	</a:t>
-            </a:r>
-            <a:r>
-              <a:rPr lang="pt-BR" dirty="0">
-                <a:solidFill>
-                  <a:schemeClr val="tx1"/>
-                </a:solidFill>
-                <a:latin typeface="Times New Roman" panose="02020603050405020304" pitchFamily="18" charset="0"/>
-                <a:cs typeface="Times New Roman" panose="02020603050405020304" pitchFamily="18" charset="0"/>
-                <a:hlinkClick r:id="rId3"/>
-              </a:rPr>
-              <a:t>https://www.youtube.com/watch?v=cigbmp-lesw</a:t>
-            </a:r>
-            <a:endParaRPr lang="pt-BR" dirty="0">
+              <a:rPr lang="pt-BR" sz="2000" dirty="0">
+                <a:solidFill>
+                  <a:schemeClr val="tx1"/>
+                </a:solidFill>
+                <a:latin typeface="Times New Roman" panose="02020603050405020304" pitchFamily="18" charset="0"/>
+                <a:cs typeface="Times New Roman" panose="02020603050405020304" pitchFamily="18" charset="0"/>
+              </a:rPr>
+              <a:t>	Esta linguagem formal expressa números naturais, declarações adição bem formadas, e igualdades adição bem formadas, mas estas exprimem apenas o que elas se parecem (sua sintaxe), não o que eles querem dizer (semântica). </a:t>
+            </a:r>
+          </a:p>
+          <a:p>
+            <a:pPr marL="0" indent="0" algn="just">
+              <a:buNone/>
+            </a:pPr>
+            <a:endParaRPr lang="pt-BR" sz="2000" dirty="0">
               <a:solidFill>
                 <a:schemeClr val="tx1"/>
               </a:solidFill>
@@ -7144,20 +7627,38 @@
             <a:pPr marL="0" indent="0" algn="just">
               <a:buNone/>
             </a:pPr>
-            <a:endParaRPr lang="pt-BR" dirty="0">
-              <a:solidFill>
-                <a:schemeClr val="tx1"/>
-              </a:solidFill>
-              <a:latin typeface="Times New Roman" panose="02020603050405020304" pitchFamily="18" charset="0"/>
-              <a:cs typeface="Times New Roman" panose="02020603050405020304" pitchFamily="18" charset="0"/>
-            </a:endParaRPr>
+            <a:r>
+              <a:rPr lang="pt-BR" sz="2000" dirty="0">
+                <a:solidFill>
+                  <a:schemeClr val="tx1"/>
+                </a:solidFill>
+                <a:latin typeface="Times New Roman" panose="02020603050405020304" pitchFamily="18" charset="0"/>
+                <a:cs typeface="Times New Roman" panose="02020603050405020304" pitchFamily="18" charset="0"/>
+              </a:rPr>
+              <a:t>	Por exemplo, em nenhuma parte destas regras existe qualquer indicação de que "0" significa o número zero, ou que "+" significa adição.</a:t>
+            </a:r>
+          </a:p>
+          <a:p>
+            <a:pPr marL="0" indent="0" algn="just">
+              <a:buNone/>
+            </a:pPr>
+            <a:r>
+              <a:rPr lang="pt-BR" sz="2000" b="1" dirty="0">
+                <a:solidFill>
+                  <a:srgbClr val="0070C0"/>
+                </a:solidFill>
+                <a:latin typeface="Times New Roman" panose="02020603050405020304" pitchFamily="18" charset="0"/>
+                <a:cs typeface="Times New Roman" panose="02020603050405020304" pitchFamily="18" charset="0"/>
+              </a:rPr>
+              <a:t>	</a:t>
+            </a:r>
           </a:p>
         </p:txBody>
       </p:sp>
     </p:spTree>
     <p:extLst>
       <p:ext uri="{BB962C8B-B14F-4D97-AF65-F5344CB8AC3E}">
-        <p14:creationId xmlns:p14="http://schemas.microsoft.com/office/powerpoint/2010/main" val="4262035594"/>
+        <p14:creationId xmlns:p14="http://schemas.microsoft.com/office/powerpoint/2010/main" val="1788144365"/>
       </p:ext>
     </p:extLst>
   </p:cSld>
@@ -7203,17 +7704,25 @@
         </p:spPr>
         <p:txBody>
           <a:bodyPr>
-            <a:normAutofit/>
+            <a:normAutofit fontScale="90000"/>
           </a:bodyPr>
           <a:lstStyle/>
           <a:p>
             <a:r>
+              <a:rPr lang="en-US" b="1" dirty="0">
+                <a:solidFill>
+                  <a:srgbClr val="0070C0"/>
+                </a:solidFill>
+              </a:rPr>
+              <a:t>Analise de LP – </a:t>
+            </a:r>
+            <a:r>
               <a:rPr lang="en-US" b="1" dirty="0" err="1">
                 <a:solidFill>
                   <a:srgbClr val="0070C0"/>
                 </a:solidFill>
               </a:rPr>
-              <a:t>Leitura</a:t>
+              <a:t>Linguagens</a:t>
             </a:r>
             <a:r>
               <a:rPr lang="en-US" b="1" dirty="0">
@@ -7229,7 +7738,7 @@
                   <a:srgbClr val="0070C0"/>
                 </a:solidFill>
               </a:rPr>
-              <a:t>Específica</a:t>
+              <a:t>Formais</a:t>
             </a:r>
             <a:endParaRPr lang="en-US" b="1" dirty="0">
               <a:solidFill>
@@ -7252,7 +7761,7 @@
         <p:spPr>
           <a:xfrm>
             <a:off x="142865" y="1200151"/>
-            <a:ext cx="8865056" cy="3394472"/>
+            <a:ext cx="8865056" cy="3872890"/>
           </a:xfrm>
         </p:spPr>
         <p:txBody>
@@ -7265,163 +7774,96 @@
               <a:buNone/>
             </a:pPr>
             <a:r>
-              <a:rPr lang="pt-BR" sz="1800" dirty="0">
-                <a:latin typeface="Times New Roman" panose="02020603050405020304" pitchFamily="18" charset="0"/>
-                <a:cs typeface="Times New Roman" panose="02020603050405020304" pitchFamily="18" charset="0"/>
-              </a:rPr>
-              <a:t>[1] BISPO, Danilo Gustavo et al. Dos fundamentos da matemática ao surgimento da teoria da computação por Alan Turing. 2013. </a:t>
+              <a:rPr lang="pt-BR" b="1" dirty="0">
+                <a:solidFill>
+                  <a:schemeClr val="tx1"/>
+                </a:solidFill>
+                <a:latin typeface="Times New Roman" panose="02020603050405020304" pitchFamily="18" charset="0"/>
+                <a:cs typeface="Times New Roman" panose="02020603050405020304" pitchFamily="18" charset="0"/>
+              </a:rPr>
+              <a:t>Algumas características de uma compilador</a:t>
+            </a:r>
+            <a:r>
+              <a:rPr lang="pt-BR" dirty="0">
+                <a:solidFill>
+                  <a:schemeClr val="tx1"/>
+                </a:solidFill>
+                <a:latin typeface="Times New Roman" panose="02020603050405020304" pitchFamily="18" charset="0"/>
+                <a:cs typeface="Times New Roman" panose="02020603050405020304" pitchFamily="18" charset="0"/>
+              </a:rPr>
+              <a:t>:</a:t>
             </a:r>
           </a:p>
           <a:p>
             <a:pPr marL="0" indent="0" algn="just">
               <a:buNone/>
             </a:pPr>
-            <a:endParaRPr lang="pt-BR" sz="1800" dirty="0">
+            <a:endParaRPr lang="pt-BR" dirty="0">
+              <a:solidFill>
+                <a:schemeClr val="tx1"/>
+              </a:solidFill>
               <a:latin typeface="Times New Roman" panose="02020603050405020304" pitchFamily="18" charset="0"/>
               <a:cs typeface="Times New Roman" panose="02020603050405020304" pitchFamily="18" charset="0"/>
             </a:endParaRPr>
           </a:p>
           <a:p>
+            <a:pPr algn="just">
+              <a:buFont typeface="Wingdings" panose="05000000000000000000" pitchFamily="2" charset="2"/>
+              <a:buChar char="§"/>
+            </a:pPr>
+            <a:r>
+              <a:rPr lang="pt-BR" dirty="0">
+                <a:solidFill>
+                  <a:schemeClr val="tx1"/>
+                </a:solidFill>
+                <a:latin typeface="Times New Roman" panose="02020603050405020304" pitchFamily="18" charset="0"/>
+                <a:cs typeface="Times New Roman" panose="02020603050405020304" pitchFamily="18" charset="0"/>
+              </a:rPr>
+              <a:t>Analisador Léxico</a:t>
+            </a:r>
+          </a:p>
+          <a:p>
+            <a:pPr algn="just">
+              <a:buFont typeface="Wingdings" panose="05000000000000000000" pitchFamily="2" charset="2"/>
+              <a:buChar char="§"/>
+            </a:pPr>
+            <a:r>
+              <a:rPr lang="pt-BR" dirty="0">
+                <a:solidFill>
+                  <a:schemeClr val="tx1"/>
+                </a:solidFill>
+                <a:latin typeface="Times New Roman" panose="02020603050405020304" pitchFamily="18" charset="0"/>
+                <a:cs typeface="Times New Roman" panose="02020603050405020304" pitchFamily="18" charset="0"/>
+              </a:rPr>
+              <a:t>Parser de analisador de código</a:t>
+            </a:r>
+          </a:p>
+          <a:p>
+            <a:pPr algn="just">
+              <a:buFont typeface="Wingdings" panose="05000000000000000000" pitchFamily="2" charset="2"/>
+              <a:buChar char="§"/>
+            </a:pPr>
+            <a:r>
+              <a:rPr lang="pt-BR" dirty="0">
+                <a:solidFill>
+                  <a:schemeClr val="tx1"/>
+                </a:solidFill>
+                <a:latin typeface="Times New Roman" panose="02020603050405020304" pitchFamily="18" charset="0"/>
+                <a:cs typeface="Times New Roman" panose="02020603050405020304" pitchFamily="18" charset="0"/>
+              </a:rPr>
+              <a:t>Parser para transformar o código fonte em linguagem de máquina.</a:t>
+            </a:r>
+          </a:p>
+          <a:p>
             <a:pPr marL="0" indent="0" algn="just">
               <a:buNone/>
             </a:pPr>
-            <a:r>
-              <a:rPr lang="pt-BR" sz="1800" dirty="0">
-                <a:latin typeface="Times New Roman" panose="02020603050405020304" pitchFamily="18" charset="0"/>
-                <a:cs typeface="Times New Roman" panose="02020603050405020304" pitchFamily="18" charset="0"/>
-              </a:rPr>
-              <a:t>Disponível em:</a:t>
-            </a:r>
-          </a:p>
-          <a:p>
-            <a:pPr marL="0" indent="0" algn="just">
-              <a:buNone/>
-            </a:pPr>
-            <a:r>
-              <a:rPr lang="pt-BR" sz="1800" dirty="0">
-                <a:latin typeface="Times New Roman" panose="02020603050405020304" pitchFamily="18" charset="0"/>
-                <a:cs typeface="Times New Roman" panose="02020603050405020304" pitchFamily="18" charset="0"/>
-              </a:rPr>
-              <a:t> </a:t>
-            </a:r>
-            <a:r>
-              <a:rPr lang="pt-BR" sz="1800" dirty="0">
-                <a:latin typeface="Times New Roman" panose="02020603050405020304" pitchFamily="18" charset="0"/>
-                <a:cs typeface="Times New Roman" panose="02020603050405020304" pitchFamily="18" charset="0"/>
-                <a:hlinkClick r:id="rId3"/>
-              </a:rPr>
-              <a:t>https://sapientia.pucsp.br/bitstream/handle/13286/1/Danilo%20Gustavo%20Bispo.pdf</a:t>
-            </a:r>
-            <a:r>
-              <a:rPr lang="pt-BR" sz="1800" dirty="0">
-                <a:latin typeface="Times New Roman" panose="02020603050405020304" pitchFamily="18" charset="0"/>
-                <a:cs typeface="Times New Roman" panose="02020603050405020304" pitchFamily="18" charset="0"/>
-              </a:rPr>
-              <a:t> </a:t>
-            </a:r>
-          </a:p>
-          <a:p>
-            <a:pPr marL="0" indent="0" algn="just">
-              <a:buNone/>
-            </a:pPr>
-            <a:endParaRPr lang="pt-BR" sz="1800" dirty="0">
+            <a:endParaRPr lang="pt-BR" dirty="0">
+              <a:solidFill>
+                <a:schemeClr val="tx1"/>
+              </a:solidFill>
               <a:latin typeface="Times New Roman" panose="02020603050405020304" pitchFamily="18" charset="0"/>
               <a:cs typeface="Times New Roman" panose="02020603050405020304" pitchFamily="18" charset="0"/>
-            </a:endParaRPr>
-          </a:p>
-          <a:p>
-            <a:pPr marL="0" indent="0" algn="just">
-              <a:buNone/>
-            </a:pPr>
-            <a:r>
-              <a:rPr lang="pt-BR" sz="1800" dirty="0">
-                <a:latin typeface="Times New Roman" panose="02020603050405020304" pitchFamily="18" charset="0"/>
-                <a:cs typeface="Times New Roman" panose="02020603050405020304" pitchFamily="18" charset="0"/>
-              </a:rPr>
-              <a:t>[2] FURTADO, Olinto José Varela. O ensino de Linguagens Formais vinculado ao ensino de Compiladores. In: XI Workshop de </a:t>
-            </a:r>
-            <a:r>
-              <a:rPr lang="pt-BR" sz="1800" dirty="0" err="1">
-                <a:latin typeface="Times New Roman" panose="02020603050405020304" pitchFamily="18" charset="0"/>
-                <a:cs typeface="Times New Roman" panose="02020603050405020304" pitchFamily="18" charset="0"/>
-              </a:rPr>
-              <a:t>Educaç</a:t>
-            </a:r>
-            <a:r>
-              <a:rPr lang="pt-BR" sz="1800" dirty="0">
-                <a:latin typeface="Times New Roman" panose="02020603050405020304" pitchFamily="18" charset="0"/>
-                <a:cs typeface="Times New Roman" panose="02020603050405020304" pitchFamily="18" charset="0"/>
-              </a:rPr>
-              <a:t> ao em </a:t>
-            </a:r>
-            <a:r>
-              <a:rPr lang="pt-BR" sz="1800" dirty="0" err="1">
-                <a:latin typeface="Times New Roman" panose="02020603050405020304" pitchFamily="18" charset="0"/>
-                <a:cs typeface="Times New Roman" panose="02020603050405020304" pitchFamily="18" charset="0"/>
-              </a:rPr>
-              <a:t>Computaç</a:t>
-            </a:r>
-            <a:r>
-              <a:rPr lang="pt-BR" sz="1800" dirty="0">
-                <a:latin typeface="Times New Roman" panose="02020603050405020304" pitchFamily="18" charset="0"/>
-                <a:cs typeface="Times New Roman" panose="02020603050405020304" pitchFamily="18" charset="0"/>
-              </a:rPr>
-              <a:t> ao, Campinas. 2003. p. 1-8.</a:t>
-            </a:r>
-          </a:p>
-          <a:p>
-            <a:pPr marL="0" indent="0" algn="just">
-              <a:buNone/>
-            </a:pPr>
-            <a:r>
-              <a:rPr lang="pt-BR" sz="1800" dirty="0">
-                <a:latin typeface="Times New Roman" panose="02020603050405020304" pitchFamily="18" charset="0"/>
-                <a:cs typeface="Times New Roman" panose="02020603050405020304" pitchFamily="18" charset="0"/>
-                <a:hlinkClick r:id="rId4"/>
-              </a:rPr>
-              <a:t>https://www.researchgate.net/profile/Olinto-Furtado/publication/339390162_O_ensino_de_Linguagens_Formais_vinculado_ao_ensino_de_Compiladores/links/5f1d00bf299bf1720d657e7a/O-ensino-de-Linguagens-Formais-vinculado-ao-ensino-de-Compiladores.pdf</a:t>
-            </a:r>
-            <a:r>
-              <a:rPr lang="pt-BR" sz="1800" dirty="0">
-                <a:latin typeface="Times New Roman" panose="02020603050405020304" pitchFamily="18" charset="0"/>
-                <a:cs typeface="Times New Roman" panose="02020603050405020304" pitchFamily="18" charset="0"/>
-              </a:rPr>
-              <a:t> </a:t>
-            </a:r>
-          </a:p>
-          <a:p>
-            <a:pPr marL="0" indent="0" algn="just">
-              <a:buNone/>
-            </a:pPr>
-            <a:endParaRPr lang="pt-BR" sz="1800" dirty="0">
-              <a:latin typeface="Times New Roman" panose="02020603050405020304" pitchFamily="18" charset="0"/>
-              <a:cs typeface="Times New Roman" panose="02020603050405020304" pitchFamily="18" charset="0"/>
-            </a:endParaRPr>
-          </a:p>
-          <a:p>
-            <a:pPr marL="0" indent="0" algn="just">
-              <a:buNone/>
-            </a:pPr>
-            <a:endParaRPr lang="pt-BR" sz="1800" dirty="0">
-              <a:latin typeface="Times New Roman" panose="02020603050405020304" pitchFamily="18" charset="0"/>
-              <a:cs typeface="Times New Roman" panose="02020603050405020304" pitchFamily="18" charset="0"/>
-            </a:endParaRPr>
-          </a:p>
-          <a:p>
-            <a:pPr marL="0" indent="0" algn="just">
-              <a:buNone/>
-            </a:pPr>
-            <a:endParaRPr lang="pt-BR" sz="1800" dirty="0">
-              <a:latin typeface="Times New Roman" panose="02020603050405020304" pitchFamily="18" charset="0"/>
-              <a:cs typeface="Times New Roman" panose="02020603050405020304" pitchFamily="18" charset="0"/>
-            </a:endParaRPr>
-          </a:p>
-          <a:p>
-            <a:pPr marL="0" indent="0" algn="just">
-              <a:buNone/>
-            </a:pPr>
-            <a:endParaRPr lang="pt-BR" sz="1800" dirty="0">
-              <a:latin typeface="Calibri" panose="020F0502020204030204" pitchFamily="34" charset="0"/>
             </a:endParaRPr>
           </a:p>
         </p:txBody>
@@ -7429,7 +7871,7 @@
     </p:spTree>
     <p:extLst>
       <p:ext uri="{BB962C8B-B14F-4D97-AF65-F5344CB8AC3E}">
-        <p14:creationId xmlns:p14="http://schemas.microsoft.com/office/powerpoint/2010/main" val="3680270425"/>
+        <p14:creationId xmlns:p14="http://schemas.microsoft.com/office/powerpoint/2010/main" val="2020433112"/>
       </p:ext>
     </p:extLst>
   </p:cSld>
@@ -7995,17 +8437,25 @@
         </p:spPr>
         <p:txBody>
           <a:bodyPr>
-            <a:normAutofit/>
+            <a:normAutofit fontScale="90000"/>
           </a:bodyPr>
           <a:lstStyle/>
           <a:p>
             <a:r>
+              <a:rPr lang="en-US" b="1" dirty="0">
+                <a:solidFill>
+                  <a:srgbClr val="0070C0"/>
+                </a:solidFill>
+              </a:rPr>
+              <a:t>Analise de LP – </a:t>
+            </a:r>
+            <a:r>
               <a:rPr lang="en-US" b="1" dirty="0" err="1">
                 <a:solidFill>
                   <a:srgbClr val="0070C0"/>
                 </a:solidFill>
               </a:rPr>
-              <a:t>Aprenda</a:t>
+              <a:t>Linguagens</a:t>
             </a:r>
             <a:r>
               <a:rPr lang="en-US" b="1" dirty="0">
@@ -8013,8 +8463,21 @@
                   <a:srgbClr val="0070C0"/>
                 </a:solidFill>
               </a:rPr>
-              <a:t>+</a:t>
-            </a:r>
+              <a:t> </a:t>
+            </a:r>
+            <a:r>
+              <a:rPr lang="en-US" b="1" dirty="0" err="1">
+                <a:solidFill>
+                  <a:srgbClr val="0070C0"/>
+                </a:solidFill>
+              </a:rPr>
+              <a:t>Formais</a:t>
+            </a:r>
+            <a:endParaRPr lang="en-US" b="1" dirty="0">
+              <a:solidFill>
+                <a:srgbClr val="0070C0"/>
+              </a:solidFill>
+            </a:endParaRPr>
           </a:p>
         </p:txBody>
       </p:sp>
@@ -8030,8 +8493,8 @@
         </p:nvSpPr>
         <p:spPr>
           <a:xfrm>
-            <a:off x="142865" y="1200150"/>
-            <a:ext cx="8865056" cy="3572265"/>
+            <a:off x="142865" y="1200151"/>
+            <a:ext cx="8865056" cy="3872890"/>
           </a:xfrm>
         </p:spPr>
         <p:txBody>
@@ -8043,19 +8506,10 @@
             <a:pPr marL="0" indent="0" algn="just">
               <a:buNone/>
             </a:pPr>
-            <a:r>
-              <a:rPr lang="pt-BR" sz="1800" dirty="0">
-                <a:latin typeface="Times New Roman" panose="02020603050405020304" pitchFamily="18" charset="0"/>
-                <a:cs typeface="Times New Roman" panose="02020603050405020304" pitchFamily="18" charset="0"/>
-              </a:rPr>
-              <a:t>[1] Linguagens Formais e Autômatos. </a:t>
-            </a:r>
-          </a:p>
-          <a:p>
-            <a:pPr marL="0" indent="0" algn="just">
-              <a:buNone/>
-            </a:pPr>
-            <a:endParaRPr lang="pt-BR" sz="1800" dirty="0">
+            <a:endParaRPr lang="pt-BR" dirty="0">
+              <a:solidFill>
+                <a:schemeClr val="tx1"/>
+              </a:solidFill>
               <a:latin typeface="Times New Roman" panose="02020603050405020304" pitchFamily="18" charset="0"/>
               <a:cs typeface="Times New Roman" panose="02020603050405020304" pitchFamily="18" charset="0"/>
             </a:endParaRPr>
@@ -8064,22 +8518,10 @@
             <a:pPr marL="0" indent="0" algn="just">
               <a:buNone/>
             </a:pPr>
-            <a:r>
-              <a:rPr lang="pt-BR" sz="1800" dirty="0">
-                <a:latin typeface="Times New Roman" panose="02020603050405020304" pitchFamily="18" charset="0"/>
-                <a:cs typeface="Times New Roman" panose="02020603050405020304" pitchFamily="18" charset="0"/>
-              </a:rPr>
-              <a:t>Disponível em: </a:t>
-            </a:r>
-            <a:r>
-              <a:rPr lang="pt-BR" sz="1800" dirty="0">
-                <a:latin typeface="Times New Roman" panose="02020603050405020304" pitchFamily="18" charset="0"/>
-                <a:cs typeface="Times New Roman" panose="02020603050405020304" pitchFamily="18" charset="0"/>
-                <a:hlinkClick r:id="rId3"/>
-              </a:rPr>
-              <a:t>http://www2.ic.uff.br/~ueverton/files/LF/aula03.pdf</a:t>
-            </a:r>
-            <a:endParaRPr lang="pt-BR" sz="1800" dirty="0">
+            <a:endParaRPr lang="pt-BR" dirty="0">
+              <a:solidFill>
+                <a:schemeClr val="tx1"/>
+              </a:solidFill>
               <a:latin typeface="Times New Roman" panose="02020603050405020304" pitchFamily="18" charset="0"/>
               <a:cs typeface="Times New Roman" panose="02020603050405020304" pitchFamily="18" charset="0"/>
             </a:endParaRPr>
@@ -8088,8 +8530,22 @@
             <a:pPr marL="0" indent="0" algn="just">
               <a:buNone/>
             </a:pPr>
-            <a:endParaRPr lang="pt-BR" sz="1800" dirty="0">
-              <a:latin typeface="Calibri" panose="020F0502020204030204" pitchFamily="34" charset="0"/>
+            <a:r>
+              <a:rPr lang="pt-BR" sz="2800" b="1" dirty="0">
+                <a:solidFill>
+                  <a:srgbClr val="0070C0"/>
+                </a:solidFill>
+                <a:latin typeface="Times New Roman" panose="02020603050405020304" pitchFamily="18" charset="0"/>
+                <a:cs typeface="Times New Roman" panose="02020603050405020304" pitchFamily="18" charset="0"/>
+              </a:rPr>
+              <a:t>	Como definir e analisar linguagens de programação, aplicando os conceitos da teoria de linguagens formais?</a:t>
+            </a:r>
+            <a:endParaRPr lang="pt-BR" b="1" dirty="0">
+              <a:solidFill>
+                <a:srgbClr val="0070C0"/>
+              </a:solidFill>
+              <a:latin typeface="Times New Roman" panose="02020603050405020304" pitchFamily="18" charset="0"/>
+              <a:cs typeface="Times New Roman" panose="02020603050405020304" pitchFamily="18" charset="0"/>
             </a:endParaRPr>
           </a:p>
         </p:txBody>
@@ -8097,7 +8553,7 @@
     </p:spTree>
     <p:extLst>
       <p:ext uri="{BB962C8B-B14F-4D97-AF65-F5344CB8AC3E}">
-        <p14:creationId xmlns:p14="http://schemas.microsoft.com/office/powerpoint/2010/main" val="2747596967"/>
+        <p14:creationId xmlns:p14="http://schemas.microsoft.com/office/powerpoint/2010/main" val="3768671330"/>
       </p:ext>
     </p:extLst>
   </p:cSld>
@@ -8153,7 +8609,7 @@
                   <a:srgbClr val="0070C0"/>
                 </a:solidFill>
               </a:rPr>
-              <a:t>Dinâmica</a:t>
+              <a:t>Automátos</a:t>
             </a:r>
             <a:r>
               <a:rPr lang="en-US" b="1" dirty="0">
@@ -8161,7 +8617,7 @@
                   <a:srgbClr val="0070C0"/>
                 </a:solidFill>
               </a:rPr>
-              <a:t>/</a:t>
+              <a:t> </a:t>
             </a:r>
             <a:r>
               <a:rPr lang="en-US" b="1" dirty="0" err="1">
@@ -8169,13 +8625,32 @@
                   <a:srgbClr val="0070C0"/>
                 </a:solidFill>
               </a:rPr>
-              <a:t>Atividades</a:t>
-            </a:r>
-            <a:endParaRPr lang="en-US" b="1" dirty="0">
-              <a:solidFill>
-                <a:srgbClr val="0070C0"/>
-              </a:solidFill>
-            </a:endParaRPr>
+              <a:t>Finitos</a:t>
+            </a:r>
+            <a:r>
+              <a:rPr lang="en-US" b="1" dirty="0">
+                <a:solidFill>
+                  <a:srgbClr val="0070C0"/>
+                </a:solidFill>
+              </a:rPr>
+              <a:t> </a:t>
+            </a:r>
+            <a:r>
+              <a:rPr lang="en-US" b="1" dirty="0" err="1">
+                <a:solidFill>
+                  <a:srgbClr val="0070C0"/>
+                </a:solidFill>
+              </a:rPr>
+              <a:t>Determinísticos</a:t>
+            </a:r>
+            <a:r>
+              <a:rPr lang="en-US" b="1" dirty="0">
+                <a:solidFill>
+                  <a:srgbClr val="0070C0"/>
+                </a:solidFill>
+              </a:rPr>
+              <a:t> </a:t>
+            </a:r>
           </a:p>
         </p:txBody>
       </p:sp>
@@ -8191,8 +8666,8 @@
         </p:nvSpPr>
         <p:spPr>
           <a:xfrm>
-            <a:off x="139472" y="1063230"/>
-            <a:ext cx="8865056" cy="3606305"/>
+            <a:off x="142865" y="1200151"/>
+            <a:ext cx="8865056" cy="3872890"/>
           </a:xfrm>
         </p:spPr>
         <p:txBody>
@@ -8201,45 +8676,65 @@
           </a:bodyPr>
           <a:lstStyle/>
           <a:p>
-            <a:pPr algn="just">
-              <a:buFontTx/>
-              <a:buChar char="-"/>
-            </a:pPr>
-            <a:r>
-              <a:rPr lang="pt-BR" dirty="0">
-                <a:latin typeface="Times New Roman" panose="02020603050405020304" pitchFamily="18" charset="0"/>
-                <a:cs typeface="Times New Roman" panose="02020603050405020304" pitchFamily="18" charset="0"/>
-              </a:rPr>
-              <a:t>Pesquisar e fazer uma resenha do formalismo da teoria da computação e linguagens formais.</a:t>
-            </a:r>
-          </a:p>
-          <a:p>
             <a:pPr marL="0" indent="0" algn="just">
               <a:buNone/>
             </a:pPr>
-            <a:endParaRPr lang="pt-BR" dirty="0">
+            <a:r>
+              <a:rPr lang="pt-BR" sz="2400" b="1" dirty="0">
+                <a:solidFill>
+                  <a:schemeClr val="tx1"/>
+                </a:solidFill>
+                <a:latin typeface="Times New Roman" panose="02020603050405020304" pitchFamily="18" charset="0"/>
+                <a:cs typeface="Times New Roman" panose="02020603050405020304" pitchFamily="18" charset="0"/>
+              </a:rPr>
+              <a:t>Cadeias e Linguagens </a:t>
+            </a:r>
+            <a:r>
+              <a:rPr lang="pt-BR" sz="2400" dirty="0">
+                <a:solidFill>
+                  <a:schemeClr val="tx1"/>
+                </a:solidFill>
+                <a:latin typeface="Times New Roman" panose="02020603050405020304" pitchFamily="18" charset="0"/>
+                <a:cs typeface="Times New Roman" panose="02020603050405020304" pitchFamily="18" charset="0"/>
+              </a:rPr>
+              <a:t>...</a:t>
+            </a:r>
+          </a:p>
+          <a:p>
+            <a:pPr marL="0" indent="0" algn="just">
+              <a:buNone/>
+            </a:pPr>
+            <a:endParaRPr lang="pt-BR" sz="2400" dirty="0">
+              <a:solidFill>
+                <a:schemeClr val="tx1"/>
+              </a:solidFill>
               <a:latin typeface="Times New Roman" panose="02020603050405020304" pitchFamily="18" charset="0"/>
               <a:cs typeface="Times New Roman" panose="02020603050405020304" pitchFamily="18" charset="0"/>
             </a:endParaRPr>
           </a:p>
           <a:p>
-            <a:pPr algn="just">
-              <a:buFontTx/>
-              <a:buChar char="-"/>
-            </a:pPr>
-            <a:r>
-              <a:rPr lang="pt-BR" dirty="0">
-                <a:latin typeface="Times New Roman" panose="02020603050405020304" pitchFamily="18" charset="0"/>
-                <a:cs typeface="Times New Roman" panose="02020603050405020304" pitchFamily="18" charset="0"/>
-              </a:rPr>
-              <a:t>Elaborar duas perguntas para debate;</a:t>
-            </a:r>
-          </a:p>
-          <a:p>
             <a:pPr marL="0" indent="0" algn="just">
               <a:buNone/>
             </a:pPr>
-            <a:endParaRPr lang="pt-BR" dirty="0">
+            <a:r>
+              <a:rPr lang="pt-BR" sz="2400" dirty="0">
+                <a:solidFill>
+                  <a:schemeClr val="tx1"/>
+                </a:solidFill>
+                <a:latin typeface="Times New Roman" panose="02020603050405020304" pitchFamily="18" charset="0"/>
+                <a:cs typeface="Times New Roman" panose="02020603050405020304" pitchFamily="18" charset="0"/>
+              </a:rPr>
+              <a:t>Um alfabeto ∑ é um conjunto finito (não-vazio) de símbolos.</a:t>
+            </a:r>
+          </a:p>
+          <a:p>
+            <a:pPr marL="0" indent="0" algn="just">
+              <a:buNone/>
+            </a:pPr>
+            <a:endParaRPr lang="pt-BR" sz="2400" dirty="0">
+              <a:solidFill>
+                <a:schemeClr val="tx1"/>
+              </a:solidFill>
               <a:latin typeface="Times New Roman" panose="02020603050405020304" pitchFamily="18" charset="0"/>
               <a:cs typeface="Times New Roman" panose="02020603050405020304" pitchFamily="18" charset="0"/>
             </a:endParaRPr>
@@ -8248,47 +8743,167 @@
             <a:pPr marL="0" indent="0" algn="just">
               <a:buNone/>
             </a:pPr>
-            <a:endParaRPr lang="pt-BR" dirty="0">
+            <a:r>
+              <a:rPr lang="pt-BR" sz="2400" dirty="0">
+                <a:solidFill>
+                  <a:schemeClr val="tx1"/>
+                </a:solidFill>
+                <a:latin typeface="Times New Roman" panose="02020603050405020304" pitchFamily="18" charset="0"/>
+                <a:cs typeface="Times New Roman" panose="02020603050405020304" pitchFamily="18" charset="0"/>
+              </a:rPr>
+              <a:t>Uma cadeia (</a:t>
+            </a:r>
+            <a:r>
+              <a:rPr lang="pt-BR" sz="2400" dirty="0" err="1">
+                <a:solidFill>
+                  <a:schemeClr val="tx1"/>
+                </a:solidFill>
+                <a:latin typeface="Times New Roman" panose="02020603050405020304" pitchFamily="18" charset="0"/>
+                <a:cs typeface="Times New Roman" panose="02020603050405020304" pitchFamily="18" charset="0"/>
+              </a:rPr>
+              <a:t>string</a:t>
+            </a:r>
+            <a:r>
+              <a:rPr lang="pt-BR" sz="2400" dirty="0">
+                <a:solidFill>
+                  <a:schemeClr val="tx1"/>
+                </a:solidFill>
+                <a:latin typeface="Times New Roman" panose="02020603050405020304" pitchFamily="18" charset="0"/>
+                <a:cs typeface="Times New Roman" panose="02020603050405020304" pitchFamily="18" charset="0"/>
+              </a:rPr>
+              <a:t>) em uma alfabeto ∑ é uma </a:t>
+            </a:r>
+            <a:r>
+              <a:rPr lang="pt-BR" sz="2400" dirty="0" err="1">
+                <a:solidFill>
+                  <a:schemeClr val="tx1"/>
+                </a:solidFill>
+                <a:latin typeface="Times New Roman" panose="02020603050405020304" pitchFamily="18" charset="0"/>
+                <a:cs typeface="Times New Roman" panose="02020603050405020304" pitchFamily="18" charset="0"/>
+              </a:rPr>
+              <a:t>seuqencia</a:t>
+            </a:r>
+            <a:r>
+              <a:rPr lang="pt-BR" sz="2400" dirty="0">
+                <a:solidFill>
+                  <a:schemeClr val="tx1"/>
+                </a:solidFill>
+                <a:latin typeface="Times New Roman" panose="02020603050405020304" pitchFamily="18" charset="0"/>
+                <a:cs typeface="Times New Roman" panose="02020603050405020304" pitchFamily="18" charset="0"/>
+              </a:rPr>
+              <a:t> finita de símbolos deste alfabeto.</a:t>
+            </a:r>
+          </a:p>
+          <a:p>
+            <a:pPr marL="0" indent="0" algn="just">
+              <a:buNone/>
+            </a:pPr>
+            <a:r>
+              <a:rPr lang="pt-BR" sz="2400" dirty="0" err="1">
+                <a:solidFill>
+                  <a:schemeClr val="tx1"/>
+                </a:solidFill>
+                <a:latin typeface="Times New Roman" panose="02020603050405020304" pitchFamily="18" charset="0"/>
+                <a:cs typeface="Times New Roman" panose="02020603050405020304" pitchFamily="18" charset="0"/>
+              </a:rPr>
+              <a:t>Exs</a:t>
+            </a:r>
+            <a:r>
+              <a:rPr lang="pt-BR" sz="2400" dirty="0">
+                <a:solidFill>
+                  <a:schemeClr val="tx1"/>
+                </a:solidFill>
+                <a:latin typeface="Times New Roman" panose="02020603050405020304" pitchFamily="18" charset="0"/>
+                <a:cs typeface="Times New Roman" panose="02020603050405020304" pitchFamily="18" charset="0"/>
+              </a:rPr>
+              <a:t>.: </a:t>
+            </a:r>
+            <a:r>
+              <a:rPr lang="pt-BR" sz="2400" b="1" dirty="0">
+                <a:solidFill>
+                  <a:schemeClr val="tx1"/>
+                </a:solidFill>
+                <a:latin typeface="Times New Roman" panose="02020603050405020304" pitchFamily="18" charset="0"/>
+                <a:cs typeface="Times New Roman" panose="02020603050405020304" pitchFamily="18" charset="0"/>
+              </a:rPr>
+              <a:t>Alfabetos</a:t>
+            </a:r>
+            <a:r>
+              <a:rPr lang="pt-BR" sz="2400" dirty="0">
+                <a:solidFill>
+                  <a:schemeClr val="tx1"/>
+                </a:solidFill>
+                <a:latin typeface="Times New Roman" panose="02020603050405020304" pitchFamily="18" charset="0"/>
+                <a:cs typeface="Times New Roman" panose="02020603050405020304" pitchFamily="18" charset="0"/>
+              </a:rPr>
+              <a:t>				</a:t>
+            </a:r>
+            <a:r>
+              <a:rPr lang="pt-BR" sz="2400" b="1" dirty="0">
+                <a:solidFill>
+                  <a:schemeClr val="tx1"/>
+                </a:solidFill>
+                <a:latin typeface="Times New Roman" panose="02020603050405020304" pitchFamily="18" charset="0"/>
+                <a:cs typeface="Times New Roman" panose="02020603050405020304" pitchFamily="18" charset="0"/>
+              </a:rPr>
+              <a:t>Cadeias (</a:t>
+            </a:r>
+            <a:r>
+              <a:rPr lang="pt-BR" sz="2400" b="1" dirty="0">
+                <a:solidFill>
+                  <a:srgbClr val="FF0000"/>
+                </a:solidFill>
+                <a:latin typeface="Times New Roman" panose="02020603050405020304" pitchFamily="18" charset="0"/>
+                <a:cs typeface="Times New Roman" panose="02020603050405020304" pitchFamily="18" charset="0"/>
+              </a:rPr>
+              <a:t>palavras</a:t>
+            </a:r>
+            <a:r>
+              <a:rPr lang="pt-BR" sz="2400" b="1" dirty="0">
+                <a:solidFill>
+                  <a:schemeClr val="tx1"/>
+                </a:solidFill>
+                <a:latin typeface="Times New Roman" panose="02020603050405020304" pitchFamily="18" charset="0"/>
+                <a:cs typeface="Times New Roman" panose="02020603050405020304" pitchFamily="18" charset="0"/>
+              </a:rPr>
+              <a:t>)</a:t>
+            </a:r>
+          </a:p>
+          <a:p>
+            <a:pPr marL="0" indent="0" algn="just">
+              <a:buNone/>
+            </a:pPr>
+            <a:r>
+              <a:rPr lang="pt-BR" sz="2400" dirty="0">
+                <a:solidFill>
+                  <a:schemeClr val="tx1"/>
+                </a:solidFill>
+                <a:latin typeface="Times New Roman" panose="02020603050405020304" pitchFamily="18" charset="0"/>
+                <a:cs typeface="Times New Roman" panose="02020603050405020304" pitchFamily="18" charset="0"/>
+              </a:rPr>
+              <a:t>∑ = {0,1}						01110101</a:t>
+            </a:r>
+          </a:p>
+          <a:p>
+            <a:pPr marL="0" indent="0" algn="just">
+              <a:buNone/>
+            </a:pPr>
+            <a:r>
+              <a:rPr lang="pt-BR" sz="2400" dirty="0">
+                <a:solidFill>
+                  <a:schemeClr val="tx1"/>
+                </a:solidFill>
+                <a:latin typeface="Times New Roman" panose="02020603050405020304" pitchFamily="18" charset="0"/>
+                <a:cs typeface="Times New Roman" panose="02020603050405020304" pitchFamily="18" charset="0"/>
+              </a:rPr>
+              <a:t>∑ = {a, b, c, d, e, ... z}		salvador		</a:t>
+            </a:r>
+            <a:endParaRPr lang="pt-BR" sz="2400" dirty="0">
+              <a:solidFill>
+                <a:srgbClr val="0070C0"/>
+              </a:solidFill>
               <a:latin typeface="Times New Roman" panose="02020603050405020304" pitchFamily="18" charset="0"/>
               <a:cs typeface="Times New Roman" panose="02020603050405020304" pitchFamily="18" charset="0"/>
-            </a:endParaRPr>
-          </a:p>
-          <a:p>
-            <a:pPr marL="0" indent="0" algn="just">
-              <a:buNone/>
-            </a:pPr>
-            <a:endParaRPr lang="pt-BR" dirty="0">
-              <a:latin typeface="Times New Roman" panose="02020603050405020304" pitchFamily="18" charset="0"/>
-              <a:cs typeface="Times New Roman" panose="02020603050405020304" pitchFamily="18" charset="0"/>
-            </a:endParaRPr>
-          </a:p>
-          <a:p>
-            <a:pPr marL="0" indent="0" algn="just">
-              <a:buNone/>
-            </a:pPr>
-            <a:endParaRPr lang="pt-BR" dirty="0">
-              <a:latin typeface="Times New Roman" panose="02020603050405020304" pitchFamily="18" charset="0"/>
-              <a:cs typeface="Times New Roman" panose="02020603050405020304" pitchFamily="18" charset="0"/>
-            </a:endParaRPr>
-          </a:p>
-          <a:p>
-            <a:pPr algn="just"/>
-            <a:endParaRPr lang="pt-BR" dirty="0">
-              <a:latin typeface="Times New Roman" panose="02020603050405020304" pitchFamily="18" charset="0"/>
-              <a:cs typeface="Times New Roman" panose="02020603050405020304" pitchFamily="18" charset="0"/>
-            </a:endParaRPr>
-          </a:p>
-          <a:p>
-            <a:pPr algn="just"/>
-            <a:endParaRPr lang="pt-BR" dirty="0">
-              <a:latin typeface="Times New Roman" panose="02020603050405020304" pitchFamily="18" charset="0"/>
-              <a:cs typeface="Times New Roman" panose="02020603050405020304" pitchFamily="18" charset="0"/>
-            </a:endParaRPr>
-          </a:p>
-          <a:p>
-            <a:pPr algn="just"/>
-            <a:endParaRPr lang="pt-BR" dirty="0">
-              <a:latin typeface="Calibri" panose="020F0502020204030204" pitchFamily="34" charset="0"/>
             </a:endParaRPr>
           </a:p>
         </p:txBody>
@@ -8296,7 +8911,7 @@
     </p:spTree>
     <p:extLst>
       <p:ext uri="{BB962C8B-B14F-4D97-AF65-F5344CB8AC3E}">
-        <p14:creationId xmlns:p14="http://schemas.microsoft.com/office/powerpoint/2010/main" val="2470652989"/>
+        <p14:creationId xmlns:p14="http://schemas.microsoft.com/office/powerpoint/2010/main" val="781887146"/>
       </p:ext>
     </p:extLst>
   </p:cSld>
@@ -8352,7 +8967,7 @@
                   <a:srgbClr val="0070C0"/>
                 </a:solidFill>
               </a:rPr>
-              <a:t>Referências</a:t>
+              <a:t>Automátos</a:t>
             </a:r>
             <a:r>
               <a:rPr lang="en-US" b="1" dirty="0">
@@ -8368,7 +8983,448 @@
                   <a:srgbClr val="0070C0"/>
                 </a:solidFill>
               </a:rPr>
-              <a:t>Bibliográficas</a:t>
+              <a:t>Finitos</a:t>
+            </a:r>
+            <a:r>
+              <a:rPr lang="en-US" b="1" dirty="0">
+                <a:solidFill>
+                  <a:srgbClr val="0070C0"/>
+                </a:solidFill>
+              </a:rPr>
+              <a:t> </a:t>
+            </a:r>
+            <a:r>
+              <a:rPr lang="en-US" b="1" dirty="0" err="1">
+                <a:solidFill>
+                  <a:srgbClr val="0070C0"/>
+                </a:solidFill>
+              </a:rPr>
+              <a:t>Determinísticos</a:t>
+            </a:r>
+            <a:r>
+              <a:rPr lang="en-US" b="1" dirty="0">
+                <a:solidFill>
+                  <a:srgbClr val="0070C0"/>
+                </a:solidFill>
+              </a:rPr>
+              <a:t> </a:t>
+            </a:r>
+          </a:p>
+        </p:txBody>
+      </p:sp>
+      <p:sp>
+        <p:nvSpPr>
+          <p:cNvPr id="8" name="Text Placeholder 2"/>
+          <p:cNvSpPr>
+            <a:spLocks noGrp="1"/>
+          </p:cNvSpPr>
+          <p:nvPr>
+            <p:ph type="body" sz="half" idx="1"/>
+          </p:nvPr>
+        </p:nvSpPr>
+        <p:spPr>
+          <a:xfrm>
+            <a:off x="142865" y="1200151"/>
+            <a:ext cx="8865056" cy="3872890"/>
+          </a:xfrm>
+        </p:spPr>
+        <p:txBody>
+          <a:bodyPr>
+            <a:noAutofit/>
+          </a:bodyPr>
+          <a:lstStyle/>
+          <a:p>
+            <a:pPr marL="0" indent="0" algn="just">
+              <a:buNone/>
+            </a:pPr>
+            <a:r>
+              <a:rPr lang="pt-BR" sz="2400" b="1" dirty="0">
+                <a:solidFill>
+                  <a:schemeClr val="tx1"/>
+                </a:solidFill>
+                <a:latin typeface="Times New Roman" panose="02020603050405020304" pitchFamily="18" charset="0"/>
+                <a:cs typeface="Times New Roman" panose="02020603050405020304" pitchFamily="18" charset="0"/>
+              </a:rPr>
+              <a:t>Se W = W1, W2 ... </a:t>
+            </a:r>
+            <a:r>
+              <a:rPr lang="pt-BR" sz="2400" b="1" dirty="0" err="1">
+                <a:solidFill>
+                  <a:schemeClr val="tx1"/>
+                </a:solidFill>
+                <a:latin typeface="Times New Roman" panose="02020603050405020304" pitchFamily="18" charset="0"/>
+                <a:cs typeface="Times New Roman" panose="02020603050405020304" pitchFamily="18" charset="0"/>
+              </a:rPr>
+              <a:t>Wn</a:t>
+            </a:r>
+            <a:r>
+              <a:rPr lang="pt-BR" sz="2400" b="1" dirty="0">
+                <a:solidFill>
+                  <a:schemeClr val="tx1"/>
+                </a:solidFill>
+                <a:latin typeface="Times New Roman" panose="02020603050405020304" pitchFamily="18" charset="0"/>
+                <a:cs typeface="Times New Roman" panose="02020603050405020304" pitchFamily="18" charset="0"/>
+              </a:rPr>
+              <a:t> é uma cadeia sobre </a:t>
+            </a:r>
+            <a:r>
+              <a:rPr lang="pt-BR" sz="2400" dirty="0">
+                <a:solidFill>
+                  <a:schemeClr val="tx1"/>
+                </a:solidFill>
+                <a:latin typeface="Times New Roman" panose="02020603050405020304" pitchFamily="18" charset="0"/>
+                <a:cs typeface="Times New Roman" panose="02020603050405020304" pitchFamily="18" charset="0"/>
+              </a:rPr>
+              <a:t>∑, o comprimento de W, denotado por |W|, é n.</a:t>
+            </a:r>
+          </a:p>
+          <a:p>
+            <a:pPr marL="0" indent="0" algn="just">
+              <a:buNone/>
+            </a:pPr>
+            <a:endParaRPr lang="pt-BR" sz="2400" dirty="0">
+              <a:solidFill>
+                <a:schemeClr val="tx1"/>
+              </a:solidFill>
+              <a:latin typeface="Times New Roman" panose="02020603050405020304" pitchFamily="18" charset="0"/>
+              <a:cs typeface="Times New Roman" panose="02020603050405020304" pitchFamily="18" charset="0"/>
+            </a:endParaRPr>
+          </a:p>
+          <a:p>
+            <a:pPr marL="0" indent="0" algn="just">
+              <a:buNone/>
+            </a:pPr>
+            <a:r>
+              <a:rPr lang="pt-BR" sz="2400" dirty="0">
+                <a:solidFill>
+                  <a:schemeClr val="tx1"/>
+                </a:solidFill>
+                <a:latin typeface="Times New Roman" panose="02020603050405020304" pitchFamily="18" charset="0"/>
+                <a:cs typeface="Times New Roman" panose="02020603050405020304" pitchFamily="18" charset="0"/>
+              </a:rPr>
+              <a:t>Ex.: |salvador| = 8</a:t>
+            </a:r>
+          </a:p>
+          <a:p>
+            <a:pPr marL="0" indent="0" algn="just">
+              <a:buNone/>
+            </a:pPr>
+            <a:endParaRPr lang="pt-BR" sz="2400" dirty="0">
+              <a:solidFill>
+                <a:schemeClr val="tx1"/>
+              </a:solidFill>
+              <a:latin typeface="Times New Roman" panose="02020603050405020304" pitchFamily="18" charset="0"/>
+              <a:cs typeface="Times New Roman" panose="02020603050405020304" pitchFamily="18" charset="0"/>
+            </a:endParaRPr>
+          </a:p>
+          <a:p>
+            <a:pPr marL="0" indent="0" algn="just">
+              <a:buNone/>
+            </a:pPr>
+            <a:r>
+              <a:rPr lang="pt-BR" sz="2400" dirty="0">
+                <a:solidFill>
+                  <a:schemeClr val="tx1"/>
+                </a:solidFill>
+                <a:latin typeface="Times New Roman" panose="02020603050405020304" pitchFamily="18" charset="0"/>
+                <a:cs typeface="Times New Roman" panose="02020603050405020304" pitchFamily="18" charset="0"/>
+              </a:rPr>
+              <a:t>Nota: A cadeia de comprimento 0, é denominada cadeia nula e é representada por </a:t>
+            </a:r>
+            <a:r>
+              <a:rPr lang="el-GR" sz="2400" dirty="0">
+                <a:solidFill>
+                  <a:schemeClr val="tx1"/>
+                </a:solidFill>
+                <a:latin typeface="Times New Roman" panose="02020603050405020304" pitchFamily="18" charset="0"/>
+                <a:cs typeface="Times New Roman" panose="02020603050405020304" pitchFamily="18" charset="0"/>
+              </a:rPr>
+              <a:t>λ</a:t>
+            </a:r>
+            <a:r>
+              <a:rPr lang="pt-BR" sz="2400" dirty="0">
+                <a:solidFill>
+                  <a:schemeClr val="tx1"/>
+                </a:solidFill>
+                <a:latin typeface="Times New Roman" panose="02020603050405020304" pitchFamily="18" charset="0"/>
+                <a:cs typeface="Times New Roman" panose="02020603050405020304" pitchFamily="18" charset="0"/>
+              </a:rPr>
+              <a:t>.</a:t>
+            </a:r>
+          </a:p>
+        </p:txBody>
+      </p:sp>
+    </p:spTree>
+    <p:extLst>
+      <p:ext uri="{BB962C8B-B14F-4D97-AF65-F5344CB8AC3E}">
+        <p14:creationId xmlns:p14="http://schemas.microsoft.com/office/powerpoint/2010/main" val="3254022829"/>
+      </p:ext>
+    </p:extLst>
+  </p:cSld>
+  <p:clrMapOvr>
+    <a:masterClrMapping/>
+  </p:clrMapOvr>
+  <p:transition spd="med"/>
+</p:sld>
+</file>
+
+<file path=ppt/slides/slide23.xml><?xml version="1.0" encoding="utf-8"?>
+<p:sld xmlns:a="http://schemas.openxmlformats.org/drawingml/2006/main" xmlns:r="http://schemas.openxmlformats.org/officeDocument/2006/relationships" xmlns:p="http://schemas.openxmlformats.org/presentationml/2006/main">
+  <p:cSld>
+    <p:spTree>
+      <p:nvGrpSpPr>
+        <p:cNvPr id="1" name=""/>
+        <p:cNvGrpSpPr/>
+        <p:nvPr/>
+      </p:nvGrpSpPr>
+      <p:grpSpPr>
+        <a:xfrm>
+          <a:off x="0" y="0"/>
+          <a:ext cx="0" cy="0"/>
+          <a:chOff x="0" y="0"/>
+          <a:chExt cx="0" cy="0"/>
+        </a:xfrm>
+      </p:grpSpPr>
+      <p:sp>
+        <p:nvSpPr>
+          <p:cNvPr id="6" name="Title 1"/>
+          <p:cNvSpPr>
+            <a:spLocks noGrp="1"/>
+          </p:cNvSpPr>
+          <p:nvPr>
+            <p:ph type="title"/>
+          </p:nvPr>
+        </p:nvSpPr>
+        <p:spPr>
+          <a:xfrm>
+            <a:off x="457200" y="205980"/>
+            <a:ext cx="8229600" cy="857251"/>
+          </a:xfrm>
+        </p:spPr>
+        <p:txBody>
+          <a:bodyPr/>
+          <a:lstStyle/>
+          <a:p>
+            <a:r>
+              <a:rPr lang="en-US" b="1" dirty="0">
+                <a:solidFill>
+                  <a:srgbClr val="0070C0"/>
+                </a:solidFill>
+              </a:rPr>
+              <a:t>Teoria da </a:t>
+            </a:r>
+            <a:r>
+              <a:rPr lang="en-US" b="1" dirty="0" err="1">
+                <a:solidFill>
+                  <a:srgbClr val="0070C0"/>
+                </a:solidFill>
+              </a:rPr>
+              <a:t>Computação</a:t>
+            </a:r>
+            <a:endParaRPr lang="en-US" b="1" dirty="0">
+              <a:solidFill>
+                <a:srgbClr val="0070C0"/>
+              </a:solidFill>
+            </a:endParaRPr>
+          </a:p>
+        </p:txBody>
+      </p:sp>
+      <p:sp>
+        <p:nvSpPr>
+          <p:cNvPr id="8" name="Text Placeholder 2"/>
+          <p:cNvSpPr>
+            <a:spLocks noGrp="1"/>
+          </p:cNvSpPr>
+          <p:nvPr>
+            <p:ph type="body" sz="half" idx="1"/>
+          </p:nvPr>
+        </p:nvSpPr>
+        <p:spPr>
+          <a:xfrm>
+            <a:off x="130339" y="1200150"/>
+            <a:ext cx="8865056" cy="3737370"/>
+          </a:xfrm>
+        </p:spPr>
+        <p:txBody>
+          <a:bodyPr>
+            <a:noAutofit/>
+          </a:bodyPr>
+          <a:lstStyle/>
+          <a:p>
+            <a:pPr marL="0" indent="0" algn="just">
+              <a:buNone/>
+            </a:pPr>
+            <a:r>
+              <a:rPr lang="pt-BR" dirty="0">
+                <a:solidFill>
+                  <a:schemeClr val="tx1"/>
+                </a:solidFill>
+                <a:latin typeface="Times New Roman" panose="02020603050405020304" pitchFamily="18" charset="0"/>
+                <a:cs typeface="Times New Roman" panose="02020603050405020304" pitchFamily="18" charset="0"/>
+              </a:rPr>
+              <a:t> </a:t>
+            </a:r>
+          </a:p>
+          <a:p>
+            <a:pPr marL="0" indent="0" algn="just">
+              <a:buNone/>
+            </a:pPr>
+            <a:r>
+              <a:rPr lang="pt-BR" dirty="0">
+                <a:solidFill>
+                  <a:schemeClr val="tx1"/>
+                </a:solidFill>
+                <a:latin typeface="Times New Roman" panose="02020603050405020304" pitchFamily="18" charset="0"/>
+                <a:cs typeface="Times New Roman" panose="02020603050405020304" pitchFamily="18" charset="0"/>
+              </a:rPr>
+              <a:t>- </a:t>
+            </a:r>
+            <a:r>
+              <a:rPr lang="pt-BR" b="1" dirty="0">
+                <a:solidFill>
+                  <a:schemeClr val="tx1"/>
+                </a:solidFill>
+                <a:latin typeface="Times New Roman" panose="02020603050405020304" pitchFamily="18" charset="0"/>
+                <a:cs typeface="Times New Roman" panose="02020603050405020304" pitchFamily="18" charset="0"/>
+              </a:rPr>
+              <a:t>Vídeo</a:t>
+            </a:r>
+          </a:p>
+          <a:p>
+            <a:pPr marL="0" indent="0" algn="just">
+              <a:buNone/>
+            </a:pPr>
+            <a:endParaRPr lang="pt-BR" dirty="0">
+              <a:solidFill>
+                <a:schemeClr val="tx1"/>
+              </a:solidFill>
+              <a:latin typeface="Times New Roman" panose="02020603050405020304" pitchFamily="18" charset="0"/>
+              <a:cs typeface="Times New Roman" panose="02020603050405020304" pitchFamily="18" charset="0"/>
+            </a:endParaRPr>
+          </a:p>
+          <a:p>
+            <a:pPr marL="0" indent="0" algn="just">
+              <a:buNone/>
+            </a:pPr>
+            <a:r>
+              <a:rPr lang="pt-BR" dirty="0">
+                <a:solidFill>
+                  <a:schemeClr val="tx1"/>
+                </a:solidFill>
+                <a:latin typeface="Times New Roman" panose="02020603050405020304" pitchFamily="18" charset="0"/>
+                <a:cs typeface="Times New Roman" panose="02020603050405020304" pitchFamily="18" charset="0"/>
+              </a:rPr>
+              <a:t>	</a:t>
+            </a:r>
+            <a:r>
+              <a:rPr lang="pt-BR" dirty="0">
+                <a:solidFill>
+                  <a:schemeClr val="tx1"/>
+                </a:solidFill>
+                <a:latin typeface="Times New Roman" panose="02020603050405020304" pitchFamily="18" charset="0"/>
+                <a:cs typeface="Times New Roman" panose="02020603050405020304" pitchFamily="18" charset="0"/>
+                <a:hlinkClick r:id="rId3"/>
+              </a:rPr>
+              <a:t>https://www.youtube.com/watch?v=cigbmp-lesw</a:t>
+            </a:r>
+            <a:endParaRPr lang="pt-BR" dirty="0">
+              <a:solidFill>
+                <a:schemeClr val="tx1"/>
+              </a:solidFill>
+              <a:latin typeface="Times New Roman" panose="02020603050405020304" pitchFamily="18" charset="0"/>
+              <a:cs typeface="Times New Roman" panose="02020603050405020304" pitchFamily="18" charset="0"/>
+            </a:endParaRPr>
+          </a:p>
+          <a:p>
+            <a:pPr marL="0" indent="0" algn="just">
+              <a:buNone/>
+            </a:pPr>
+            <a:endParaRPr lang="pt-BR" dirty="0">
+              <a:solidFill>
+                <a:schemeClr val="tx1"/>
+              </a:solidFill>
+              <a:latin typeface="Times New Roman" panose="02020603050405020304" pitchFamily="18" charset="0"/>
+              <a:cs typeface="Times New Roman" panose="02020603050405020304" pitchFamily="18" charset="0"/>
+            </a:endParaRPr>
+          </a:p>
+        </p:txBody>
+      </p:sp>
+    </p:spTree>
+    <p:extLst>
+      <p:ext uri="{BB962C8B-B14F-4D97-AF65-F5344CB8AC3E}">
+        <p14:creationId xmlns:p14="http://schemas.microsoft.com/office/powerpoint/2010/main" val="4262035594"/>
+      </p:ext>
+    </p:extLst>
+  </p:cSld>
+  <p:clrMapOvr>
+    <a:masterClrMapping/>
+  </p:clrMapOvr>
+  <p:transition spd="med"/>
+</p:sld>
+</file>
+
+<file path=ppt/slides/slide24.xml><?xml version="1.0" encoding="utf-8"?>
+<p:sld xmlns:a="http://schemas.openxmlformats.org/drawingml/2006/main" xmlns:r="http://schemas.openxmlformats.org/officeDocument/2006/relationships" xmlns:p="http://schemas.openxmlformats.org/presentationml/2006/main">
+  <p:cSld>
+    <p:spTree>
+      <p:nvGrpSpPr>
+        <p:cNvPr id="1" name=""/>
+        <p:cNvGrpSpPr/>
+        <p:nvPr/>
+      </p:nvGrpSpPr>
+      <p:grpSpPr>
+        <a:xfrm>
+          <a:off x="0" y="0"/>
+          <a:ext cx="0" cy="0"/>
+          <a:chOff x="0" y="0"/>
+          <a:chExt cx="0" cy="0"/>
+        </a:xfrm>
+      </p:grpSpPr>
+      <p:sp>
+        <p:nvSpPr>
+          <p:cNvPr id="6" name="Title 1"/>
+          <p:cNvSpPr>
+            <a:spLocks noGrp="1"/>
+          </p:cNvSpPr>
+          <p:nvPr>
+            <p:ph type="title"/>
+          </p:nvPr>
+        </p:nvSpPr>
+        <p:spPr>
+          <a:xfrm>
+            <a:off x="457200" y="205980"/>
+            <a:ext cx="8229600" cy="857251"/>
+          </a:xfrm>
+        </p:spPr>
+        <p:txBody>
+          <a:bodyPr>
+            <a:normAutofit/>
+          </a:bodyPr>
+          <a:lstStyle/>
+          <a:p>
+            <a:r>
+              <a:rPr lang="en-US" b="1" dirty="0" err="1">
+                <a:solidFill>
+                  <a:srgbClr val="0070C0"/>
+                </a:solidFill>
+              </a:rPr>
+              <a:t>Leitura</a:t>
+            </a:r>
+            <a:r>
+              <a:rPr lang="en-US" b="1" dirty="0">
+                <a:solidFill>
+                  <a:srgbClr val="0070C0"/>
+                </a:solidFill>
+              </a:rPr>
+              <a:t> </a:t>
+            </a:r>
+            <a:r>
+              <a:rPr lang="en-US" b="1" dirty="0" err="1">
+                <a:solidFill>
+                  <a:srgbClr val="0070C0"/>
+                </a:solidFill>
+              </a:rPr>
+              <a:t>Específica</a:t>
             </a:r>
             <a:endParaRPr lang="en-US" b="1" dirty="0">
               <a:solidFill>
@@ -8404,6 +9460,625 @@
               <a:buNone/>
             </a:pPr>
             <a:r>
+              <a:rPr lang="pt-BR" sz="1800" dirty="0">
+                <a:latin typeface="Times New Roman" panose="02020603050405020304" pitchFamily="18" charset="0"/>
+                <a:cs typeface="Times New Roman" panose="02020603050405020304" pitchFamily="18" charset="0"/>
+              </a:rPr>
+              <a:t>[1] BISPO, Danilo Gustavo et al. Dos fundamentos da matemática ao surgimento da teoria da computação por Alan Turing. 2013. </a:t>
+            </a:r>
+          </a:p>
+          <a:p>
+            <a:pPr marL="0" indent="0" algn="just">
+              <a:buNone/>
+            </a:pPr>
+            <a:endParaRPr lang="pt-BR" sz="1800" dirty="0">
+              <a:latin typeface="Times New Roman" panose="02020603050405020304" pitchFamily="18" charset="0"/>
+              <a:cs typeface="Times New Roman" panose="02020603050405020304" pitchFamily="18" charset="0"/>
+            </a:endParaRPr>
+          </a:p>
+          <a:p>
+            <a:pPr marL="0" indent="0" algn="just">
+              <a:buNone/>
+            </a:pPr>
+            <a:r>
+              <a:rPr lang="pt-BR" sz="1800" dirty="0">
+                <a:latin typeface="Times New Roman" panose="02020603050405020304" pitchFamily="18" charset="0"/>
+                <a:cs typeface="Times New Roman" panose="02020603050405020304" pitchFamily="18" charset="0"/>
+              </a:rPr>
+              <a:t>Disponível em:</a:t>
+            </a:r>
+          </a:p>
+          <a:p>
+            <a:pPr marL="0" indent="0" algn="just">
+              <a:buNone/>
+            </a:pPr>
+            <a:r>
+              <a:rPr lang="pt-BR" sz="1800" dirty="0">
+                <a:latin typeface="Times New Roman" panose="02020603050405020304" pitchFamily="18" charset="0"/>
+                <a:cs typeface="Times New Roman" panose="02020603050405020304" pitchFamily="18" charset="0"/>
+              </a:rPr>
+              <a:t> </a:t>
+            </a:r>
+            <a:r>
+              <a:rPr lang="pt-BR" sz="1800" dirty="0">
+                <a:latin typeface="Times New Roman" panose="02020603050405020304" pitchFamily="18" charset="0"/>
+                <a:cs typeface="Times New Roman" panose="02020603050405020304" pitchFamily="18" charset="0"/>
+                <a:hlinkClick r:id="rId3"/>
+              </a:rPr>
+              <a:t>https://sapientia.pucsp.br/bitstream/handle/13286/1/Danilo%20Gustavo%20Bispo.pdf</a:t>
+            </a:r>
+            <a:r>
+              <a:rPr lang="pt-BR" sz="1800" dirty="0">
+                <a:latin typeface="Times New Roman" panose="02020603050405020304" pitchFamily="18" charset="0"/>
+                <a:cs typeface="Times New Roman" panose="02020603050405020304" pitchFamily="18" charset="0"/>
+              </a:rPr>
+              <a:t> </a:t>
+            </a:r>
+          </a:p>
+          <a:p>
+            <a:pPr marL="0" indent="0" algn="just">
+              <a:buNone/>
+            </a:pPr>
+            <a:endParaRPr lang="pt-BR" sz="1800" dirty="0">
+              <a:latin typeface="Times New Roman" panose="02020603050405020304" pitchFamily="18" charset="0"/>
+              <a:cs typeface="Times New Roman" panose="02020603050405020304" pitchFamily="18" charset="0"/>
+            </a:endParaRPr>
+          </a:p>
+          <a:p>
+            <a:pPr marL="0" indent="0" algn="just">
+              <a:buNone/>
+            </a:pPr>
+            <a:r>
+              <a:rPr lang="pt-BR" sz="1800" dirty="0">
+                <a:latin typeface="Times New Roman" panose="02020603050405020304" pitchFamily="18" charset="0"/>
+                <a:cs typeface="Times New Roman" panose="02020603050405020304" pitchFamily="18" charset="0"/>
+              </a:rPr>
+              <a:t>[2] FURTADO, Olinto José Varela. O ensino de Linguagens Formais vinculado ao ensino de Compiladores. In: XI Workshop de </a:t>
+            </a:r>
+            <a:r>
+              <a:rPr lang="pt-BR" sz="1800" dirty="0" err="1">
+                <a:latin typeface="Times New Roman" panose="02020603050405020304" pitchFamily="18" charset="0"/>
+                <a:cs typeface="Times New Roman" panose="02020603050405020304" pitchFamily="18" charset="0"/>
+              </a:rPr>
+              <a:t>Educaç</a:t>
+            </a:r>
+            <a:r>
+              <a:rPr lang="pt-BR" sz="1800" dirty="0">
+                <a:latin typeface="Times New Roman" panose="02020603050405020304" pitchFamily="18" charset="0"/>
+                <a:cs typeface="Times New Roman" panose="02020603050405020304" pitchFamily="18" charset="0"/>
+              </a:rPr>
+              <a:t> ao em </a:t>
+            </a:r>
+            <a:r>
+              <a:rPr lang="pt-BR" sz="1800" dirty="0" err="1">
+                <a:latin typeface="Times New Roman" panose="02020603050405020304" pitchFamily="18" charset="0"/>
+                <a:cs typeface="Times New Roman" panose="02020603050405020304" pitchFamily="18" charset="0"/>
+              </a:rPr>
+              <a:t>Computaç</a:t>
+            </a:r>
+            <a:r>
+              <a:rPr lang="pt-BR" sz="1800" dirty="0">
+                <a:latin typeface="Times New Roman" panose="02020603050405020304" pitchFamily="18" charset="0"/>
+                <a:cs typeface="Times New Roman" panose="02020603050405020304" pitchFamily="18" charset="0"/>
+              </a:rPr>
+              <a:t> ao, Campinas. 2003. p. 1-8.</a:t>
+            </a:r>
+          </a:p>
+          <a:p>
+            <a:pPr marL="0" indent="0" algn="just">
+              <a:buNone/>
+            </a:pPr>
+            <a:r>
+              <a:rPr lang="pt-BR" sz="1800" dirty="0">
+                <a:latin typeface="Times New Roman" panose="02020603050405020304" pitchFamily="18" charset="0"/>
+                <a:cs typeface="Times New Roman" panose="02020603050405020304" pitchFamily="18" charset="0"/>
+                <a:hlinkClick r:id="rId4"/>
+              </a:rPr>
+              <a:t>https://www.researchgate.net/profile/Olinto-Furtado/publication/339390162_O_ensino_de_Linguagens_Formais_vinculado_ao_ensino_de_Compiladores/links/5f1d00bf299bf1720d657e7a/O-ensino-de-Linguagens-Formais-vinculado-ao-ensino-de-Compiladores.pdf</a:t>
+            </a:r>
+            <a:r>
+              <a:rPr lang="pt-BR" sz="1800" dirty="0">
+                <a:latin typeface="Times New Roman" panose="02020603050405020304" pitchFamily="18" charset="0"/>
+                <a:cs typeface="Times New Roman" panose="02020603050405020304" pitchFamily="18" charset="0"/>
+              </a:rPr>
+              <a:t> </a:t>
+            </a:r>
+          </a:p>
+          <a:p>
+            <a:pPr marL="0" indent="0" algn="just">
+              <a:buNone/>
+            </a:pPr>
+            <a:endParaRPr lang="pt-BR" sz="1800" dirty="0">
+              <a:latin typeface="Times New Roman" panose="02020603050405020304" pitchFamily="18" charset="0"/>
+              <a:cs typeface="Times New Roman" panose="02020603050405020304" pitchFamily="18" charset="0"/>
+            </a:endParaRPr>
+          </a:p>
+          <a:p>
+            <a:pPr marL="0" indent="0" algn="just">
+              <a:buNone/>
+            </a:pPr>
+            <a:endParaRPr lang="pt-BR" sz="1800" dirty="0">
+              <a:latin typeface="Times New Roman" panose="02020603050405020304" pitchFamily="18" charset="0"/>
+              <a:cs typeface="Times New Roman" panose="02020603050405020304" pitchFamily="18" charset="0"/>
+            </a:endParaRPr>
+          </a:p>
+          <a:p>
+            <a:pPr marL="0" indent="0" algn="just">
+              <a:buNone/>
+            </a:pPr>
+            <a:endParaRPr lang="pt-BR" sz="1800" dirty="0">
+              <a:latin typeface="Times New Roman" panose="02020603050405020304" pitchFamily="18" charset="0"/>
+              <a:cs typeface="Times New Roman" panose="02020603050405020304" pitchFamily="18" charset="0"/>
+            </a:endParaRPr>
+          </a:p>
+          <a:p>
+            <a:pPr marL="0" indent="0" algn="just">
+              <a:buNone/>
+            </a:pPr>
+            <a:endParaRPr lang="pt-BR" sz="1800" dirty="0">
+              <a:latin typeface="Calibri" panose="020F0502020204030204" pitchFamily="34" charset="0"/>
+            </a:endParaRPr>
+          </a:p>
+        </p:txBody>
+      </p:sp>
+    </p:spTree>
+    <p:extLst>
+      <p:ext uri="{BB962C8B-B14F-4D97-AF65-F5344CB8AC3E}">
+        <p14:creationId xmlns:p14="http://schemas.microsoft.com/office/powerpoint/2010/main" val="3680270425"/>
+      </p:ext>
+    </p:extLst>
+  </p:cSld>
+  <p:clrMapOvr>
+    <a:masterClrMapping/>
+  </p:clrMapOvr>
+  <p:transition spd="med"/>
+</p:sld>
+</file>
+
+<file path=ppt/slides/slide25.xml><?xml version="1.0" encoding="utf-8"?>
+<p:sld xmlns:a="http://schemas.openxmlformats.org/drawingml/2006/main" xmlns:r="http://schemas.openxmlformats.org/officeDocument/2006/relationships" xmlns:p="http://schemas.openxmlformats.org/presentationml/2006/main">
+  <p:cSld>
+    <p:spTree>
+      <p:nvGrpSpPr>
+        <p:cNvPr id="1" name=""/>
+        <p:cNvGrpSpPr/>
+        <p:nvPr/>
+      </p:nvGrpSpPr>
+      <p:grpSpPr>
+        <a:xfrm>
+          <a:off x="0" y="0"/>
+          <a:ext cx="0" cy="0"/>
+          <a:chOff x="0" y="0"/>
+          <a:chExt cx="0" cy="0"/>
+        </a:xfrm>
+      </p:grpSpPr>
+      <p:sp>
+        <p:nvSpPr>
+          <p:cNvPr id="6" name="Title 1"/>
+          <p:cNvSpPr>
+            <a:spLocks noGrp="1"/>
+          </p:cNvSpPr>
+          <p:nvPr>
+            <p:ph type="title"/>
+          </p:nvPr>
+        </p:nvSpPr>
+        <p:spPr>
+          <a:xfrm>
+            <a:off x="457200" y="205980"/>
+            <a:ext cx="8229600" cy="857251"/>
+          </a:xfrm>
+        </p:spPr>
+        <p:txBody>
+          <a:bodyPr>
+            <a:normAutofit/>
+          </a:bodyPr>
+          <a:lstStyle/>
+          <a:p>
+            <a:r>
+              <a:rPr lang="en-US" b="1" dirty="0" err="1">
+                <a:solidFill>
+                  <a:srgbClr val="0070C0"/>
+                </a:solidFill>
+              </a:rPr>
+              <a:t>Aprenda</a:t>
+            </a:r>
+            <a:r>
+              <a:rPr lang="en-US" b="1" dirty="0">
+                <a:solidFill>
+                  <a:srgbClr val="0070C0"/>
+                </a:solidFill>
+              </a:rPr>
+              <a:t>+</a:t>
+            </a:r>
+          </a:p>
+        </p:txBody>
+      </p:sp>
+      <p:sp>
+        <p:nvSpPr>
+          <p:cNvPr id="8" name="Text Placeholder 2"/>
+          <p:cNvSpPr>
+            <a:spLocks noGrp="1"/>
+          </p:cNvSpPr>
+          <p:nvPr>
+            <p:ph type="body" sz="half" idx="1"/>
+          </p:nvPr>
+        </p:nvSpPr>
+        <p:spPr>
+          <a:xfrm>
+            <a:off x="142865" y="1200150"/>
+            <a:ext cx="8865056" cy="3572265"/>
+          </a:xfrm>
+        </p:spPr>
+        <p:txBody>
+          <a:bodyPr>
+            <a:noAutofit/>
+          </a:bodyPr>
+          <a:lstStyle/>
+          <a:p>
+            <a:pPr marL="0" indent="0" algn="just">
+              <a:buNone/>
+            </a:pPr>
+            <a:r>
+              <a:rPr lang="pt-BR" sz="1800" dirty="0">
+                <a:latin typeface="Times New Roman" panose="02020603050405020304" pitchFamily="18" charset="0"/>
+                <a:cs typeface="Times New Roman" panose="02020603050405020304" pitchFamily="18" charset="0"/>
+              </a:rPr>
+              <a:t>[1] Linguagens Formais e Autômatos. </a:t>
+            </a:r>
+          </a:p>
+          <a:p>
+            <a:pPr marL="0" indent="0" algn="just">
+              <a:buNone/>
+            </a:pPr>
+            <a:endParaRPr lang="pt-BR" sz="1800" dirty="0">
+              <a:latin typeface="Times New Roman" panose="02020603050405020304" pitchFamily="18" charset="0"/>
+              <a:cs typeface="Times New Roman" panose="02020603050405020304" pitchFamily="18" charset="0"/>
+            </a:endParaRPr>
+          </a:p>
+          <a:p>
+            <a:pPr marL="0" indent="0" algn="just">
+              <a:buNone/>
+            </a:pPr>
+            <a:r>
+              <a:rPr lang="pt-BR" sz="1800" dirty="0">
+                <a:latin typeface="Times New Roman" panose="02020603050405020304" pitchFamily="18" charset="0"/>
+                <a:cs typeface="Times New Roman" panose="02020603050405020304" pitchFamily="18" charset="0"/>
+              </a:rPr>
+              <a:t>Disponível em: </a:t>
+            </a:r>
+            <a:r>
+              <a:rPr lang="pt-BR" sz="1800" dirty="0">
+                <a:latin typeface="Times New Roman" panose="02020603050405020304" pitchFamily="18" charset="0"/>
+                <a:cs typeface="Times New Roman" panose="02020603050405020304" pitchFamily="18" charset="0"/>
+                <a:hlinkClick r:id="rId3"/>
+              </a:rPr>
+              <a:t>http://www2.ic.uff.br/~ueverton/files/LF/aula03.pdf</a:t>
+            </a:r>
+            <a:endParaRPr lang="pt-BR" sz="1800" dirty="0">
+              <a:latin typeface="Times New Roman" panose="02020603050405020304" pitchFamily="18" charset="0"/>
+              <a:cs typeface="Times New Roman" panose="02020603050405020304" pitchFamily="18" charset="0"/>
+            </a:endParaRPr>
+          </a:p>
+          <a:p>
+            <a:pPr marL="0" indent="0" algn="just">
+              <a:buNone/>
+            </a:pPr>
+            <a:endParaRPr lang="pt-BR" sz="1800" dirty="0">
+              <a:latin typeface="Calibri" panose="020F0502020204030204" pitchFamily="34" charset="0"/>
+            </a:endParaRPr>
+          </a:p>
+        </p:txBody>
+      </p:sp>
+    </p:spTree>
+    <p:extLst>
+      <p:ext uri="{BB962C8B-B14F-4D97-AF65-F5344CB8AC3E}">
+        <p14:creationId xmlns:p14="http://schemas.microsoft.com/office/powerpoint/2010/main" val="2747596967"/>
+      </p:ext>
+    </p:extLst>
+  </p:cSld>
+  <p:clrMapOvr>
+    <a:masterClrMapping/>
+  </p:clrMapOvr>
+  <p:transition spd="med"/>
+</p:sld>
+</file>
+
+<file path=ppt/slides/slide26.xml><?xml version="1.0" encoding="utf-8"?>
+<p:sld xmlns:a="http://schemas.openxmlformats.org/drawingml/2006/main" xmlns:r="http://schemas.openxmlformats.org/officeDocument/2006/relationships" xmlns:p="http://schemas.openxmlformats.org/presentationml/2006/main">
+  <p:cSld>
+    <p:spTree>
+      <p:nvGrpSpPr>
+        <p:cNvPr id="1" name=""/>
+        <p:cNvGrpSpPr/>
+        <p:nvPr/>
+      </p:nvGrpSpPr>
+      <p:grpSpPr>
+        <a:xfrm>
+          <a:off x="0" y="0"/>
+          <a:ext cx="0" cy="0"/>
+          <a:chOff x="0" y="0"/>
+          <a:chExt cx="0" cy="0"/>
+        </a:xfrm>
+      </p:grpSpPr>
+      <p:sp>
+        <p:nvSpPr>
+          <p:cNvPr id="6" name="Title 1"/>
+          <p:cNvSpPr>
+            <a:spLocks noGrp="1"/>
+          </p:cNvSpPr>
+          <p:nvPr>
+            <p:ph type="title"/>
+          </p:nvPr>
+        </p:nvSpPr>
+        <p:spPr>
+          <a:xfrm>
+            <a:off x="457200" y="205980"/>
+            <a:ext cx="8229600" cy="857251"/>
+          </a:xfrm>
+        </p:spPr>
+        <p:txBody>
+          <a:bodyPr>
+            <a:normAutofit/>
+          </a:bodyPr>
+          <a:lstStyle/>
+          <a:p>
+            <a:r>
+              <a:rPr lang="en-US" b="1" dirty="0" err="1">
+                <a:solidFill>
+                  <a:srgbClr val="0070C0"/>
+                </a:solidFill>
+              </a:rPr>
+              <a:t>Dinâmica</a:t>
+            </a:r>
+            <a:r>
+              <a:rPr lang="en-US" b="1" dirty="0">
+                <a:solidFill>
+                  <a:srgbClr val="0070C0"/>
+                </a:solidFill>
+              </a:rPr>
+              <a:t>/</a:t>
+            </a:r>
+            <a:r>
+              <a:rPr lang="en-US" b="1" dirty="0" err="1">
+                <a:solidFill>
+                  <a:srgbClr val="0070C0"/>
+                </a:solidFill>
+              </a:rPr>
+              <a:t>Atividades</a:t>
+            </a:r>
+            <a:endParaRPr lang="en-US" b="1" dirty="0">
+              <a:solidFill>
+                <a:srgbClr val="0070C0"/>
+              </a:solidFill>
+            </a:endParaRPr>
+          </a:p>
+        </p:txBody>
+      </p:sp>
+      <p:sp>
+        <p:nvSpPr>
+          <p:cNvPr id="8" name="Text Placeholder 2"/>
+          <p:cNvSpPr>
+            <a:spLocks noGrp="1"/>
+          </p:cNvSpPr>
+          <p:nvPr>
+            <p:ph type="body" sz="half" idx="1"/>
+          </p:nvPr>
+        </p:nvSpPr>
+        <p:spPr>
+          <a:xfrm>
+            <a:off x="139472" y="1063230"/>
+            <a:ext cx="8865056" cy="3606305"/>
+          </a:xfrm>
+        </p:spPr>
+        <p:txBody>
+          <a:bodyPr>
+            <a:noAutofit/>
+          </a:bodyPr>
+          <a:lstStyle/>
+          <a:p>
+            <a:pPr algn="just">
+              <a:buFontTx/>
+              <a:buChar char="-"/>
+            </a:pPr>
+            <a:r>
+              <a:rPr lang="pt-BR" dirty="0">
+                <a:latin typeface="Times New Roman" panose="02020603050405020304" pitchFamily="18" charset="0"/>
+                <a:cs typeface="Times New Roman" panose="02020603050405020304" pitchFamily="18" charset="0"/>
+              </a:rPr>
+              <a:t>Pesquisar e fazer uma resenha do formalismo da teoria da computação e linguagens formais.</a:t>
+            </a:r>
+          </a:p>
+          <a:p>
+            <a:pPr marL="0" indent="0" algn="just">
+              <a:buNone/>
+            </a:pPr>
+            <a:endParaRPr lang="pt-BR" dirty="0">
+              <a:latin typeface="Times New Roman" panose="02020603050405020304" pitchFamily="18" charset="0"/>
+              <a:cs typeface="Times New Roman" panose="02020603050405020304" pitchFamily="18" charset="0"/>
+            </a:endParaRPr>
+          </a:p>
+          <a:p>
+            <a:pPr algn="just">
+              <a:buFontTx/>
+              <a:buChar char="-"/>
+            </a:pPr>
+            <a:r>
+              <a:rPr lang="pt-BR" dirty="0">
+                <a:latin typeface="Times New Roman" panose="02020603050405020304" pitchFamily="18" charset="0"/>
+                <a:cs typeface="Times New Roman" panose="02020603050405020304" pitchFamily="18" charset="0"/>
+              </a:rPr>
+              <a:t>Elaborar duas perguntas para debate;</a:t>
+            </a:r>
+          </a:p>
+          <a:p>
+            <a:pPr marL="0" indent="0" algn="just">
+              <a:buNone/>
+            </a:pPr>
+            <a:endParaRPr lang="pt-BR" dirty="0">
+              <a:latin typeface="Times New Roman" panose="02020603050405020304" pitchFamily="18" charset="0"/>
+              <a:cs typeface="Times New Roman" panose="02020603050405020304" pitchFamily="18" charset="0"/>
+            </a:endParaRPr>
+          </a:p>
+          <a:p>
+            <a:pPr marL="0" indent="0" algn="just">
+              <a:buNone/>
+            </a:pPr>
+            <a:endParaRPr lang="pt-BR" dirty="0">
+              <a:latin typeface="Times New Roman" panose="02020603050405020304" pitchFamily="18" charset="0"/>
+              <a:cs typeface="Times New Roman" panose="02020603050405020304" pitchFamily="18" charset="0"/>
+            </a:endParaRPr>
+          </a:p>
+          <a:p>
+            <a:pPr marL="0" indent="0" algn="just">
+              <a:buNone/>
+            </a:pPr>
+            <a:endParaRPr lang="pt-BR" dirty="0">
+              <a:latin typeface="Times New Roman" panose="02020603050405020304" pitchFamily="18" charset="0"/>
+              <a:cs typeface="Times New Roman" panose="02020603050405020304" pitchFamily="18" charset="0"/>
+            </a:endParaRPr>
+          </a:p>
+          <a:p>
+            <a:pPr marL="0" indent="0" algn="just">
+              <a:buNone/>
+            </a:pPr>
+            <a:endParaRPr lang="pt-BR" dirty="0">
+              <a:latin typeface="Times New Roman" panose="02020603050405020304" pitchFamily="18" charset="0"/>
+              <a:cs typeface="Times New Roman" panose="02020603050405020304" pitchFamily="18" charset="0"/>
+            </a:endParaRPr>
+          </a:p>
+          <a:p>
+            <a:pPr algn="just"/>
+            <a:endParaRPr lang="pt-BR" dirty="0">
+              <a:latin typeface="Times New Roman" panose="02020603050405020304" pitchFamily="18" charset="0"/>
+              <a:cs typeface="Times New Roman" panose="02020603050405020304" pitchFamily="18" charset="0"/>
+            </a:endParaRPr>
+          </a:p>
+          <a:p>
+            <a:pPr algn="just"/>
+            <a:endParaRPr lang="pt-BR" dirty="0">
+              <a:latin typeface="Times New Roman" panose="02020603050405020304" pitchFamily="18" charset="0"/>
+              <a:cs typeface="Times New Roman" panose="02020603050405020304" pitchFamily="18" charset="0"/>
+            </a:endParaRPr>
+          </a:p>
+          <a:p>
+            <a:pPr algn="just"/>
+            <a:endParaRPr lang="pt-BR" dirty="0">
+              <a:latin typeface="Calibri" panose="020F0502020204030204" pitchFamily="34" charset="0"/>
+            </a:endParaRPr>
+          </a:p>
+        </p:txBody>
+      </p:sp>
+    </p:spTree>
+    <p:extLst>
+      <p:ext uri="{BB962C8B-B14F-4D97-AF65-F5344CB8AC3E}">
+        <p14:creationId xmlns:p14="http://schemas.microsoft.com/office/powerpoint/2010/main" val="2470652989"/>
+      </p:ext>
+    </p:extLst>
+  </p:cSld>
+  <p:clrMapOvr>
+    <a:masterClrMapping/>
+  </p:clrMapOvr>
+  <p:transition spd="med"/>
+</p:sld>
+</file>
+
+<file path=ppt/slides/slide27.xml><?xml version="1.0" encoding="utf-8"?>
+<p:sld xmlns:a="http://schemas.openxmlformats.org/drawingml/2006/main" xmlns:r="http://schemas.openxmlformats.org/officeDocument/2006/relationships" xmlns:p="http://schemas.openxmlformats.org/presentationml/2006/main">
+  <p:cSld>
+    <p:spTree>
+      <p:nvGrpSpPr>
+        <p:cNvPr id="1" name=""/>
+        <p:cNvGrpSpPr/>
+        <p:nvPr/>
+      </p:nvGrpSpPr>
+      <p:grpSpPr>
+        <a:xfrm>
+          <a:off x="0" y="0"/>
+          <a:ext cx="0" cy="0"/>
+          <a:chOff x="0" y="0"/>
+          <a:chExt cx="0" cy="0"/>
+        </a:xfrm>
+      </p:grpSpPr>
+      <p:sp>
+        <p:nvSpPr>
+          <p:cNvPr id="6" name="Title 1"/>
+          <p:cNvSpPr>
+            <a:spLocks noGrp="1"/>
+          </p:cNvSpPr>
+          <p:nvPr>
+            <p:ph type="title"/>
+          </p:nvPr>
+        </p:nvSpPr>
+        <p:spPr>
+          <a:xfrm>
+            <a:off x="457200" y="205980"/>
+            <a:ext cx="8229600" cy="857251"/>
+          </a:xfrm>
+        </p:spPr>
+        <p:txBody>
+          <a:bodyPr>
+            <a:normAutofit/>
+          </a:bodyPr>
+          <a:lstStyle/>
+          <a:p>
+            <a:r>
+              <a:rPr lang="en-US" b="1" dirty="0" err="1">
+                <a:solidFill>
+                  <a:srgbClr val="0070C0"/>
+                </a:solidFill>
+              </a:rPr>
+              <a:t>Referências</a:t>
+            </a:r>
+            <a:r>
+              <a:rPr lang="en-US" b="1" dirty="0">
+                <a:solidFill>
+                  <a:srgbClr val="0070C0"/>
+                </a:solidFill>
+              </a:rPr>
+              <a:t> </a:t>
+            </a:r>
+            <a:r>
+              <a:rPr lang="en-US" b="1" dirty="0" err="1">
+                <a:solidFill>
+                  <a:srgbClr val="0070C0"/>
+                </a:solidFill>
+              </a:rPr>
+              <a:t>Bibliográficas</a:t>
+            </a:r>
+            <a:endParaRPr lang="en-US" b="1" dirty="0">
+              <a:solidFill>
+                <a:srgbClr val="0070C0"/>
+              </a:solidFill>
+            </a:endParaRPr>
+          </a:p>
+        </p:txBody>
+      </p:sp>
+      <p:sp>
+        <p:nvSpPr>
+          <p:cNvPr id="8" name="Text Placeholder 2"/>
+          <p:cNvSpPr>
+            <a:spLocks noGrp="1"/>
+          </p:cNvSpPr>
+          <p:nvPr>
+            <p:ph type="body" sz="half" idx="1"/>
+          </p:nvPr>
+        </p:nvSpPr>
+        <p:spPr>
+          <a:xfrm>
+            <a:off x="142865" y="1200151"/>
+            <a:ext cx="8865056" cy="3394472"/>
+          </a:xfrm>
+        </p:spPr>
+        <p:txBody>
+          <a:bodyPr>
+            <a:noAutofit/>
+          </a:bodyPr>
+          <a:lstStyle/>
+          <a:p>
+            <a:pPr marL="0" indent="0" algn="just">
+              <a:buNone/>
+            </a:pPr>
+            <a:r>
               <a:rPr lang="pt-BR" sz="2400" dirty="0">
                 <a:latin typeface="Times New Roman" panose="02020603050405020304" pitchFamily="18" charset="0"/>
                 <a:cs typeface="Times New Roman" panose="02020603050405020304" pitchFamily="18" charset="0"/>
@@ -8465,7 +10140,7 @@
 </p:sld>
 </file>
 
-<file path=ppt/slides/slide23.xml><?xml version="1.0" encoding="utf-8"?>
+<file path=ppt/slides/slide28.xml><?xml version="1.0" encoding="utf-8"?>
 <p:sld xmlns:a="http://schemas.openxmlformats.org/drawingml/2006/main" xmlns:r="http://schemas.openxmlformats.org/officeDocument/2006/relationships" xmlns:p="http://schemas.openxmlformats.org/presentationml/2006/main">
   <p:cSld>
     <p:spTree>

--- a/01 Classes/Aula 01 Teoria de Compiladores.pptx
+++ b/01 Classes/Aula 01 Teoria de Compiladores.pptx
@@ -12434,17 +12434,17 @@
                 <a:latin typeface="Times New Roman" panose="02020603050405020304" pitchFamily="18" charset="0"/>
                 <a:cs typeface="Times New Roman" panose="02020603050405020304" pitchFamily="18" charset="0"/>
               </a:rPr>
-              <a:t> de venda, semáforos, lavadora de roupas, </a:t>
-            </a:r>
-            <a:r>
-              <a:rPr lang="pt-BR" dirty="0" err="1">
-                <a:solidFill>
-                  <a:schemeClr val="tx1"/>
-                </a:solidFill>
-                <a:latin typeface="Times New Roman" panose="02020603050405020304" pitchFamily="18" charset="0"/>
-                <a:cs typeface="Times New Roman" panose="02020603050405020304" pitchFamily="18" charset="0"/>
-              </a:rPr>
-              <a:t>etc</a:t>
+              <a:t> de venda, semáforos, lavadora de roupas</a:t>
+            </a:r>
+            <a:r>
+              <a:rPr lang="pt-BR">
+                <a:solidFill>
+                  <a:schemeClr val="tx1"/>
+                </a:solidFill>
+                <a:latin typeface="Times New Roman" panose="02020603050405020304" pitchFamily="18" charset="0"/>
+                <a:cs typeface="Times New Roman" panose="02020603050405020304" pitchFamily="18" charset="0"/>
+              </a:rPr>
+              <a:t>, etc.</a:t>
             </a:r>
             <a:endParaRPr lang="pt-BR" dirty="0">
               <a:solidFill>
